--- a/1.Unix/presentations/intro_to_unix_command_line.pptx
+++ b/1.Unix/presentations/intro_to_unix_command_line.pptx
@@ -5,7 +5,7 @@
     <p:sldMasterId id="2147483648" r:id="rId1"/>
   </p:sldMasterIdLst>
   <p:notesMasterIdLst>
-    <p:notesMasterId r:id="rId31"/>
+    <p:notesMasterId r:id="rId36"/>
   </p:notesMasterIdLst>
   <p:sldIdLst>
     <p:sldId id="257" r:id="rId2"/>
@@ -19,24 +19,29 @@
     <p:sldId id="264" r:id="rId10"/>
     <p:sldId id="265" r:id="rId11"/>
     <p:sldId id="266" r:id="rId12"/>
-    <p:sldId id="267" r:id="rId13"/>
-    <p:sldId id="268" r:id="rId14"/>
-    <p:sldId id="269" r:id="rId15"/>
-    <p:sldId id="270" r:id="rId16"/>
-    <p:sldId id="271" r:id="rId17"/>
-    <p:sldId id="272" r:id="rId18"/>
-    <p:sldId id="273" r:id="rId19"/>
-    <p:sldId id="274" r:id="rId20"/>
-    <p:sldId id="283" r:id="rId21"/>
-    <p:sldId id="284" r:id="rId22"/>
-    <p:sldId id="285" r:id="rId23"/>
-    <p:sldId id="275" r:id="rId24"/>
-    <p:sldId id="276" r:id="rId25"/>
-    <p:sldId id="277" r:id="rId26"/>
-    <p:sldId id="278" r:id="rId27"/>
-    <p:sldId id="279" r:id="rId28"/>
-    <p:sldId id="280" r:id="rId29"/>
-    <p:sldId id="281" r:id="rId30"/>
+    <p:sldId id="286" r:id="rId13"/>
+    <p:sldId id="267" r:id="rId14"/>
+    <p:sldId id="268" r:id="rId15"/>
+    <p:sldId id="269" r:id="rId16"/>
+    <p:sldId id="270" r:id="rId17"/>
+    <p:sldId id="271" r:id="rId18"/>
+    <p:sldId id="272" r:id="rId19"/>
+    <p:sldId id="273" r:id="rId20"/>
+    <p:sldId id="274" r:id="rId21"/>
+    <p:sldId id="275" r:id="rId22"/>
+    <p:sldId id="283" r:id="rId23"/>
+    <p:sldId id="284" r:id="rId24"/>
+    <p:sldId id="285" r:id="rId25"/>
+    <p:sldId id="276" r:id="rId26"/>
+    <p:sldId id="277" r:id="rId27"/>
+    <p:sldId id="278" r:id="rId28"/>
+    <p:sldId id="279" r:id="rId29"/>
+    <p:sldId id="280" r:id="rId30"/>
+    <p:sldId id="281" r:id="rId31"/>
+    <p:sldId id="287" r:id="rId32"/>
+    <p:sldId id="288" r:id="rId33"/>
+    <p:sldId id="289" r:id="rId34"/>
+    <p:sldId id="290" r:id="rId35"/>
   </p:sldIdLst>
   <p:sldSz cx="12192000" cy="6858000"/>
   <p:notesSz cx="6858000" cy="9144000"/>
@@ -135,6 +140,11 @@
       </a:defRPr>
     </a:lvl9pPr>
   </p:defaultTextStyle>
+  <p:extLst>
+    <p:ext uri="{EFAFB233-063F-42B5-8137-9DF3F51BA10A}">
+      <p15:sldGuideLst xmlns:p15="http://schemas.microsoft.com/office/powerpoint/2012/main"/>
+    </p:ext>
+  </p:extLst>
 </p:presentation>
 </file>
 
@@ -220,7 +230,7 @@
           <a:p>
             <a:fld id="{D26A8F12-3403-4E51-8AEA-E1EC0F40FF8E}" type="datetimeFigureOut">
               <a:rPr lang="en-US" smtClean="0"/>
-              <a:t>12/6/2019</a:t>
+              <a:t>1/6/2020</a:t>
             </a:fld>
             <a:endParaRPr lang="en-US"/>
           </a:p>
@@ -553,7 +563,7 @@
           <a:p>
             <a:fld id="{64FAAD24-07D1-412D-B355-661474971A0E}" type="slidenum">
               <a:rPr lang="en-US" smtClean="0"/>
-              <a:t>26</a:t>
+              <a:t>27</a:t>
             </a:fld>
             <a:endParaRPr lang="en-US"/>
           </a:p>
@@ -703,7 +713,7 @@
           <a:p>
             <a:fld id="{DD5AAF10-A26D-47B7-B7F0-067E5872BA5D}" type="datetimeFigureOut">
               <a:rPr lang="en-US" smtClean="0"/>
-              <a:t>12/6/2019</a:t>
+              <a:t>1/6/2020</a:t>
             </a:fld>
             <a:endParaRPr lang="en-US"/>
           </a:p>
@@ -873,7 +883,7 @@
           <a:p>
             <a:fld id="{DD5AAF10-A26D-47B7-B7F0-067E5872BA5D}" type="datetimeFigureOut">
               <a:rPr lang="en-US" smtClean="0"/>
-              <a:t>12/6/2019</a:t>
+              <a:t>1/6/2020</a:t>
             </a:fld>
             <a:endParaRPr lang="en-US"/>
           </a:p>
@@ -1053,7 +1063,7 @@
           <a:p>
             <a:fld id="{DD5AAF10-A26D-47B7-B7F0-067E5872BA5D}" type="datetimeFigureOut">
               <a:rPr lang="en-US" smtClean="0"/>
-              <a:t>12/6/2019</a:t>
+              <a:t>1/6/2020</a:t>
             </a:fld>
             <a:endParaRPr lang="en-US"/>
           </a:p>
@@ -1223,7 +1233,7 @@
           <a:p>
             <a:fld id="{DD5AAF10-A26D-47B7-B7F0-067E5872BA5D}" type="datetimeFigureOut">
               <a:rPr lang="en-US" smtClean="0"/>
-              <a:t>12/6/2019</a:t>
+              <a:t>1/6/2020</a:t>
             </a:fld>
             <a:endParaRPr lang="en-US"/>
           </a:p>
@@ -1469,7 +1479,7 @@
           <a:p>
             <a:fld id="{DD5AAF10-A26D-47B7-B7F0-067E5872BA5D}" type="datetimeFigureOut">
               <a:rPr lang="en-US" smtClean="0"/>
-              <a:t>12/6/2019</a:t>
+              <a:t>1/6/2020</a:t>
             </a:fld>
             <a:endParaRPr lang="en-US"/>
           </a:p>
@@ -1701,7 +1711,7 @@
           <a:p>
             <a:fld id="{DD5AAF10-A26D-47B7-B7F0-067E5872BA5D}" type="datetimeFigureOut">
               <a:rPr lang="en-US" smtClean="0"/>
-              <a:t>12/6/2019</a:t>
+              <a:t>1/6/2020</a:t>
             </a:fld>
             <a:endParaRPr lang="en-US"/>
           </a:p>
@@ -2068,7 +2078,7 @@
           <a:p>
             <a:fld id="{DD5AAF10-A26D-47B7-B7F0-067E5872BA5D}" type="datetimeFigureOut">
               <a:rPr lang="en-US" smtClean="0"/>
-              <a:t>12/6/2019</a:t>
+              <a:t>1/6/2020</a:t>
             </a:fld>
             <a:endParaRPr lang="en-US"/>
           </a:p>
@@ -2186,7 +2196,7 @@
           <a:p>
             <a:fld id="{DD5AAF10-A26D-47B7-B7F0-067E5872BA5D}" type="datetimeFigureOut">
               <a:rPr lang="en-US" smtClean="0"/>
-              <a:t>12/6/2019</a:t>
+              <a:t>1/6/2020</a:t>
             </a:fld>
             <a:endParaRPr lang="en-US"/>
           </a:p>
@@ -2281,7 +2291,7 @@
           <a:p>
             <a:fld id="{DD5AAF10-A26D-47B7-B7F0-067E5872BA5D}" type="datetimeFigureOut">
               <a:rPr lang="en-US" smtClean="0"/>
-              <a:t>12/6/2019</a:t>
+              <a:t>1/6/2020</a:t>
             </a:fld>
             <a:endParaRPr lang="en-US"/>
           </a:p>
@@ -2558,7 +2568,7 @@
           <a:p>
             <a:fld id="{DD5AAF10-A26D-47B7-B7F0-067E5872BA5D}" type="datetimeFigureOut">
               <a:rPr lang="en-US" smtClean="0"/>
-              <a:t>12/6/2019</a:t>
+              <a:t>1/6/2020</a:t>
             </a:fld>
             <a:endParaRPr lang="en-US"/>
           </a:p>
@@ -2811,7 +2821,7 @@
           <a:p>
             <a:fld id="{DD5AAF10-A26D-47B7-B7F0-067E5872BA5D}" type="datetimeFigureOut">
               <a:rPr lang="en-US" smtClean="0"/>
-              <a:t>12/6/2019</a:t>
+              <a:t>1/6/2020</a:t>
             </a:fld>
             <a:endParaRPr lang="en-US"/>
           </a:p>
@@ -3024,7 +3034,7 @@
           <a:p>
             <a:fld id="{DD5AAF10-A26D-47B7-B7F0-067E5872BA5D}" type="datetimeFigureOut">
               <a:rPr lang="en-US" smtClean="0"/>
-              <a:t>12/6/2019</a:t>
+              <a:t>1/6/2020</a:t>
             </a:fld>
             <a:endParaRPr lang="en-US"/>
           </a:p>
@@ -3534,11 +3544,7 @@
           <a:p>
             <a:r>
               <a:rPr lang="en-US" dirty="0" smtClean="0"/>
-              <a:t>Command </a:t>
-            </a:r>
-            <a:r>
-              <a:rPr lang="en-US" dirty="0" smtClean="0"/>
-              <a:t>prompt</a:t>
+              <a:t>Command prompt</a:t>
             </a:r>
             <a:r>
               <a:rPr lang="en-US" dirty="0"/>
@@ -3571,15 +3577,7 @@
           <a:p>
             <a:r>
               <a:rPr lang="en-US" dirty="0" smtClean="0"/>
-              <a:t>After </a:t>
-            </a:r>
-            <a:r>
-              <a:rPr lang="en-US" dirty="0" smtClean="0"/>
-              <a:t>you login all </a:t>
-            </a:r>
-            <a:r>
-              <a:rPr lang="en-US" dirty="0" smtClean="0"/>
-              <a:t>the text floats by, you should have a </a:t>
+              <a:t>After you login all the text floats by, you should have a </a:t>
             </a:r>
             <a:r>
               <a:rPr lang="en-US" dirty="0" smtClean="0">
@@ -4655,6 +4653,156 @@
           <a:lstStyle/>
           <a:p>
             <a:r>
+              <a:rPr lang="en-US" dirty="0" err="1" smtClean="0">
+                <a:solidFill>
+                  <a:srgbClr val="FF0000"/>
+                </a:solidFill>
+              </a:rPr>
+              <a:t>Tarballs</a:t>
+            </a:r>
+            <a:r>
+              <a:rPr lang="en-US" dirty="0" smtClean="0"/>
+              <a:t> -- not what you were thinking!</a:t>
+            </a:r>
+            <a:endParaRPr lang="en-US" dirty="0"/>
+          </a:p>
+        </p:txBody>
+      </p:sp>
+      <p:sp>
+        <p:nvSpPr>
+          <p:cNvPr id="3" name="Content Placeholder 2"/>
+          <p:cNvSpPr>
+            <a:spLocks noGrp="1"/>
+          </p:cNvSpPr>
+          <p:nvPr>
+            <p:ph idx="1"/>
+          </p:nvPr>
+        </p:nvSpPr>
+        <p:spPr/>
+        <p:txBody>
+          <a:bodyPr/>
+          <a:lstStyle/>
+          <a:p>
+            <a:r>
+              <a:rPr lang="en-US" dirty="0" smtClean="0"/>
+              <a:t>Just to get things rolling, I’d like to give you all some interactive learning materials™. You will start to learn more about the command line by actually “typing” commands than by listening to me drone on, so let’s start with your first command! This one’s a big one, so just follow along first and I’ll explain later.</a:t>
+            </a:r>
+          </a:p>
+          <a:p>
+            <a:r>
+              <a:rPr lang="en-US" dirty="0" smtClean="0"/>
+              <a:t>To help move files around, Unix has a command called </a:t>
+            </a:r>
+            <a:r>
+              <a:rPr lang="en-US" b="1" dirty="0" smtClean="0">
+                <a:solidFill>
+                  <a:srgbClr val="FF0000"/>
+                </a:solidFill>
+              </a:rPr>
+              <a:t>tar</a:t>
+            </a:r>
+            <a:r>
+              <a:rPr lang="en-US" dirty="0" smtClean="0"/>
+              <a:t>. This command allows you to package folders into an archive file, similar to “zip” files on Windows. The compressed files are affectionately called “</a:t>
+            </a:r>
+            <a:r>
+              <a:rPr lang="en-US" dirty="0" err="1" smtClean="0">
+                <a:solidFill>
+                  <a:srgbClr val="FF0000"/>
+                </a:solidFill>
+              </a:rPr>
+              <a:t>tarballs</a:t>
+            </a:r>
+            <a:r>
+              <a:rPr lang="en-US" dirty="0" smtClean="0"/>
+              <a:t>” by the Unix community (or maybe just me?). Type the following and hit enter to unpack your first </a:t>
+            </a:r>
+            <a:r>
+              <a:rPr lang="en-US" dirty="0" err="1" smtClean="0"/>
+              <a:t>tarball</a:t>
+            </a:r>
+            <a:r>
+              <a:rPr lang="en-US" dirty="0" smtClean="0"/>
+              <a:t> (note the spaces):</a:t>
+            </a:r>
+            <a:endParaRPr lang="en-US" b="1" dirty="0" smtClean="0">
+              <a:solidFill>
+                <a:srgbClr val="FF0000"/>
+              </a:solidFill>
+            </a:endParaRPr>
+          </a:p>
+        </p:txBody>
+      </p:sp>
+      <p:pic>
+        <p:nvPicPr>
+          <p:cNvPr id="4" name="Picture 3"/>
+          <p:cNvPicPr>
+            <a:picLocks noChangeAspect="1"/>
+          </p:cNvPicPr>
+          <p:nvPr/>
+        </p:nvPicPr>
+        <p:blipFill>
+          <a:blip r:embed="rId2"/>
+          <a:stretch>
+            <a:fillRect/>
+          </a:stretch>
+        </p:blipFill>
+        <p:spPr>
+          <a:xfrm>
+            <a:off x="3548761" y="6044486"/>
+            <a:ext cx="4690546" cy="401637"/>
+          </a:xfrm>
+          <a:prstGeom prst="rect">
+            <a:avLst/>
+          </a:prstGeom>
+        </p:spPr>
+      </p:pic>
+    </p:spTree>
+    <p:extLst>
+      <p:ext uri="{BB962C8B-B14F-4D97-AF65-F5344CB8AC3E}">
+        <p14:creationId xmlns:p14="http://schemas.microsoft.com/office/powerpoint/2010/main" val="2817616592"/>
+      </p:ext>
+    </p:extLst>
+  </p:cSld>
+  <p:clrMapOvr>
+    <a:masterClrMapping/>
+  </p:clrMapOvr>
+</p:sld>
+</file>
+
+<file path=ppt/slides/slide13.xml><?xml version="1.0" encoding="utf-8"?>
+<p:sld xmlns:a="http://schemas.openxmlformats.org/drawingml/2006/main" xmlns:r="http://schemas.openxmlformats.org/officeDocument/2006/relationships" xmlns:p="http://schemas.openxmlformats.org/presentationml/2006/main">
+  <p:cSld>
+    <p:spTree>
+      <p:nvGrpSpPr>
+        <p:cNvPr id="1" name=""/>
+        <p:cNvGrpSpPr/>
+        <p:nvPr/>
+      </p:nvGrpSpPr>
+      <p:grpSpPr>
+        <a:xfrm>
+          <a:off x="0" y="0"/>
+          <a:ext cx="0" cy="0"/>
+          <a:chOff x="0" y="0"/>
+          <a:chExt cx="0" cy="0"/>
+        </a:xfrm>
+      </p:grpSpPr>
+      <p:sp>
+        <p:nvSpPr>
+          <p:cNvPr id="2" name="Title 1"/>
+          <p:cNvSpPr>
+            <a:spLocks noGrp="1"/>
+          </p:cNvSpPr>
+          <p:nvPr>
+            <p:ph type="title"/>
+          </p:nvPr>
+        </p:nvSpPr>
+        <p:spPr/>
+        <p:txBody>
+          <a:bodyPr/>
+          <a:lstStyle/>
+          <a:p>
+            <a:r>
               <a:rPr lang="en-US" dirty="0" smtClean="0"/>
               <a:t>Lab </a:t>
             </a:r>
@@ -4697,7 +4845,11 @@
           <a:p>
             <a:r>
               <a:rPr lang="en-US" dirty="0" smtClean="0"/>
-              <a:t>First let’s orient ourselves. Are you on the command line? Let’s try “</a:t>
+              <a:t>Now </a:t>
+            </a:r>
+            <a:r>
+              <a:rPr lang="en-US" dirty="0" smtClean="0"/>
+              <a:t>let’s orient ourselves. Are you on the command line? Let’s try “</a:t>
             </a:r>
             <a:r>
               <a:rPr lang="en-US" dirty="0" err="1" smtClean="0">
@@ -4763,11 +4915,11 @@
               <a:t>Now, let’s check out the directory that we’re in first before we do anything crazy. </a:t>
             </a:r>
             <a:r>
-              <a:rPr lang="en-US" smtClean="0"/>
+              <a:rPr lang="en-US" dirty="0" err="1" smtClean="0"/>
               <a:t>Run“</a:t>
             </a:r>
             <a:r>
-              <a:rPr lang="en-US" smtClean="0">
+              <a:rPr lang="en-US" dirty="0" err="1" smtClean="0">
                 <a:solidFill>
                   <a:srgbClr val="7030A0"/>
                 </a:solidFill>
@@ -4903,7 +5055,7 @@
         </p:blipFill>
         <p:spPr>
           <a:xfrm>
-            <a:off x="1819747" y="5914464"/>
+            <a:off x="1787448" y="6024925"/>
             <a:ext cx="8251903" cy="443136"/>
           </a:xfrm>
           <a:prstGeom prst="rect">
@@ -4941,11 +5093,6 @@
               </a:rPr>
               <a:t>Where I am</a:t>
             </a:r>
-            <a:endParaRPr lang="en-US" dirty="0">
-              <a:solidFill>
-                <a:srgbClr val="FF0000"/>
-              </a:solidFill>
-            </a:endParaRPr>
           </a:p>
         </p:txBody>
       </p:sp>
@@ -5003,7 +5150,7 @@
         </p:blipFill>
         <p:spPr>
           <a:xfrm>
-            <a:off x="1787447" y="4388826"/>
+            <a:off x="1787448" y="4739906"/>
             <a:ext cx="8344575" cy="517282"/>
           </a:xfrm>
           <a:prstGeom prst="rect">
@@ -5256,11 +5403,6 @@
               </a:rPr>
               <a:t>Directory delimiters</a:t>
             </a:r>
-            <a:endParaRPr lang="en-US" dirty="0">
-              <a:solidFill>
-                <a:srgbClr val="FF0000"/>
-              </a:solidFill>
-            </a:endParaRPr>
           </a:p>
         </p:txBody>
       </p:sp>
@@ -5459,7 +5601,7 @@
 </p:sld>
 </file>
 
-<file path=ppt/slides/slide13.xml><?xml version="1.0" encoding="utf-8"?>
+<file path=ppt/slides/slide14.xml><?xml version="1.0" encoding="utf-8"?>
 <p:sld xmlns:a="http://schemas.openxmlformats.org/drawingml/2006/main" xmlns:r="http://schemas.openxmlformats.org/officeDocument/2006/relationships" xmlns:p="http://schemas.openxmlformats.org/presentationml/2006/main">
   <p:cSld>
     <p:spTree>
@@ -5601,7 +5743,7 @@
         </p:blipFill>
         <p:spPr>
           <a:xfrm>
-            <a:off x="1970049" y="5194027"/>
+            <a:off x="1970048" y="4875245"/>
             <a:ext cx="8251903" cy="443136"/>
           </a:xfrm>
           <a:prstGeom prst="rect">
@@ -5728,7 +5870,7 @@
 </p:sld>
 </file>
 
-<file path=ppt/slides/slide14.xml><?xml version="1.0" encoding="utf-8"?>
+<file path=ppt/slides/slide15.xml><?xml version="1.0" encoding="utf-8"?>
 <p:sld xmlns:a="http://schemas.openxmlformats.org/drawingml/2006/main" xmlns:r="http://schemas.openxmlformats.org/officeDocument/2006/relationships" xmlns:p="http://schemas.openxmlformats.org/presentationml/2006/main">
   <p:cSld>
     <p:spTree>
@@ -6152,7 +6294,7 @@
 </p:sld>
 </file>
 
-<file path=ppt/slides/slide15.xml><?xml version="1.0" encoding="utf-8"?>
+<file path=ppt/slides/slide16.xml><?xml version="1.0" encoding="utf-8"?>
 <p:sld xmlns:a="http://schemas.openxmlformats.org/drawingml/2006/main" xmlns:r="http://schemas.openxmlformats.org/officeDocument/2006/relationships" xmlns:p="http://schemas.openxmlformats.org/presentationml/2006/main">
   <p:cSld>
     <p:spTree>
@@ -6662,7 +6804,7 @@
 </p:sld>
 </file>
 
-<file path=ppt/slides/slide16.xml><?xml version="1.0" encoding="utf-8"?>
+<file path=ppt/slides/slide17.xml><?xml version="1.0" encoding="utf-8"?>
 <p:sld xmlns:a="http://schemas.openxmlformats.org/drawingml/2006/main" xmlns:r="http://schemas.openxmlformats.org/officeDocument/2006/relationships" xmlns:p="http://schemas.openxmlformats.org/presentationml/2006/main">
   <p:cSld>
     <p:spTree>
@@ -6808,7 +6950,7 @@
         </p:blipFill>
         <p:spPr>
           <a:xfrm>
-            <a:off x="6768532" y="4476752"/>
+            <a:off x="6429808" y="4331195"/>
             <a:ext cx="1513177" cy="465593"/>
           </a:xfrm>
           <a:prstGeom prst="rect">
@@ -6984,7 +7126,7 @@
 </p:sld>
 </file>
 
-<file path=ppt/slides/slide17.xml><?xml version="1.0" encoding="utf-8"?>
+<file path=ppt/slides/slide18.xml><?xml version="1.0" encoding="utf-8"?>
 <p:sld xmlns:a="http://schemas.openxmlformats.org/drawingml/2006/main" xmlns:r="http://schemas.openxmlformats.org/officeDocument/2006/relationships" xmlns:p="http://schemas.openxmlformats.org/presentationml/2006/main">
   <p:cSld>
     <p:spTree>
@@ -7307,7 +7449,7 @@
 </p:sld>
 </file>
 
-<file path=ppt/slides/slide18.xml><?xml version="1.0" encoding="utf-8"?>
+<file path=ppt/slides/slide19.xml><?xml version="1.0" encoding="utf-8"?>
 <p:sld xmlns:a="http://schemas.openxmlformats.org/drawingml/2006/main" xmlns:r="http://schemas.openxmlformats.org/officeDocument/2006/relationships" xmlns:p="http://schemas.openxmlformats.org/presentationml/2006/main">
   <p:cSld>
     <p:spTree>
@@ -7407,11 +7549,7 @@
             </a:r>
             <a:r>
               <a:rPr lang="en-US" dirty="0" smtClean="0"/>
-              <a:t> directory</a:t>
-            </a:r>
-            <a:r>
-              <a:rPr lang="en-US" dirty="0" smtClean="0"/>
-              <a:t>:</a:t>
+              <a:t> directory:</a:t>
             </a:r>
             <a:endParaRPr lang="en-US" dirty="0"/>
           </a:p>
@@ -7549,11 +7687,6 @@
               </a:rPr>
               <a:t>What is that????</a:t>
             </a:r>
-            <a:endParaRPr lang="en-US" dirty="0">
-              <a:solidFill>
-                <a:srgbClr val="FF0000"/>
-              </a:solidFill>
-            </a:endParaRPr>
           </a:p>
         </p:txBody>
       </p:sp>
@@ -7776,7 +7909,168 @@
 </p:sld>
 </file>
 
-<file path=ppt/slides/slide19.xml><?xml version="1.0" encoding="utf-8"?>
+<file path=ppt/slides/slide2.xml><?xml version="1.0" encoding="utf-8"?>
+<p:sld xmlns:a="http://schemas.openxmlformats.org/drawingml/2006/main" xmlns:r="http://schemas.openxmlformats.org/officeDocument/2006/relationships" xmlns:p="http://schemas.openxmlformats.org/presentationml/2006/main">
+  <p:cSld>
+    <p:spTree>
+      <p:nvGrpSpPr>
+        <p:cNvPr id="1" name=""/>
+        <p:cNvGrpSpPr/>
+        <p:nvPr/>
+      </p:nvGrpSpPr>
+      <p:grpSpPr>
+        <a:xfrm>
+          <a:off x="0" y="0"/>
+          <a:ext cx="0" cy="0"/>
+          <a:chOff x="0" y="0"/>
+          <a:chExt cx="0" cy="0"/>
+        </a:xfrm>
+      </p:grpSpPr>
+      <p:sp>
+        <p:nvSpPr>
+          <p:cNvPr id="2" name="Title 1"/>
+          <p:cNvSpPr>
+            <a:spLocks noGrp="1"/>
+          </p:cNvSpPr>
+          <p:nvPr>
+            <p:ph type="title"/>
+          </p:nvPr>
+        </p:nvSpPr>
+        <p:spPr/>
+        <p:txBody>
+          <a:bodyPr/>
+          <a:lstStyle/>
+          <a:p>
+            <a:r>
+              <a:rPr lang="en-US" dirty="0" smtClean="0"/>
+              <a:t>Lesson Plan</a:t>
+            </a:r>
+            <a:endParaRPr lang="en-US" dirty="0"/>
+          </a:p>
+        </p:txBody>
+      </p:sp>
+      <p:sp>
+        <p:nvSpPr>
+          <p:cNvPr id="3" name="Content Placeholder 2"/>
+          <p:cNvSpPr>
+            <a:spLocks noGrp="1"/>
+          </p:cNvSpPr>
+          <p:nvPr>
+            <p:ph idx="1"/>
+          </p:nvPr>
+        </p:nvSpPr>
+        <p:spPr/>
+        <p:txBody>
+          <a:bodyPr>
+            <a:normAutofit fontScale="92500" lnSpcReduction="20000"/>
+          </a:bodyPr>
+          <a:lstStyle/>
+          <a:p>
+            <a:r>
+              <a:rPr lang="en-US" dirty="0" smtClean="0"/>
+              <a:t>Introduction and syllabus</a:t>
+            </a:r>
+            <a:br>
+              <a:rPr lang="en-US" dirty="0" smtClean="0"/>
+            </a:br>
+            <a:endParaRPr lang="en-US" dirty="0" smtClean="0"/>
+          </a:p>
+          <a:p>
+            <a:r>
+              <a:rPr lang="en-US" dirty="0" smtClean="0"/>
+              <a:t>Command Line introduction</a:t>
+            </a:r>
+            <a:br>
+              <a:rPr lang="en-US" dirty="0" smtClean="0"/>
+            </a:br>
+            <a:endParaRPr lang="en-US" dirty="0" smtClean="0"/>
+          </a:p>
+          <a:p>
+            <a:r>
+              <a:rPr lang="en-US" dirty="0" smtClean="0"/>
+              <a:t>Navigation and orientation on the command line</a:t>
+            </a:r>
+          </a:p>
+          <a:p>
+            <a:pPr lvl="1"/>
+            <a:r>
+              <a:rPr lang="en-US" dirty="0" smtClean="0"/>
+              <a:t>ls, </a:t>
+            </a:r>
+            <a:r>
+              <a:rPr lang="en-US" dirty="0" err="1" smtClean="0"/>
+              <a:t>pwd</a:t>
+            </a:r>
+            <a:r>
+              <a:rPr lang="en-US" dirty="0" smtClean="0"/>
+              <a:t>, cd</a:t>
+            </a:r>
+            <a:br>
+              <a:rPr lang="en-US" dirty="0" smtClean="0"/>
+            </a:br>
+            <a:endParaRPr lang="en-US" dirty="0" smtClean="0"/>
+          </a:p>
+          <a:p>
+            <a:r>
+              <a:rPr lang="en-US" dirty="0" smtClean="0"/>
+              <a:t>Text file viewing</a:t>
+            </a:r>
+          </a:p>
+          <a:p>
+            <a:pPr lvl="1"/>
+            <a:r>
+              <a:rPr lang="en-US" dirty="0" smtClean="0"/>
+              <a:t>head, tail, cat</a:t>
+            </a:r>
+            <a:br>
+              <a:rPr lang="en-US" dirty="0" smtClean="0"/>
+            </a:br>
+            <a:endParaRPr lang="en-US" dirty="0" smtClean="0"/>
+          </a:p>
+          <a:p>
+            <a:r>
+              <a:rPr lang="en-US" dirty="0" smtClean="0"/>
+              <a:t>Simple executable submission and who you are as a </a:t>
+            </a:r>
+            <a:r>
+              <a:rPr lang="en-US" dirty="0" smtClean="0"/>
+              <a:t>user</a:t>
+            </a:r>
+            <a:br>
+              <a:rPr lang="en-US" dirty="0" smtClean="0"/>
+            </a:br>
+            <a:endParaRPr lang="en-US" dirty="0" smtClean="0"/>
+          </a:p>
+          <a:p>
+            <a:r>
+              <a:rPr lang="en-US" dirty="0" smtClean="0"/>
+              <a:t>Unix Wildcards</a:t>
+            </a:r>
+            <a:endParaRPr lang="en-US" dirty="0"/>
+          </a:p>
+        </p:txBody>
+      </p:sp>
+    </p:spTree>
+    <p:extLst>
+      <p:ext uri="{BB962C8B-B14F-4D97-AF65-F5344CB8AC3E}">
+        <p14:creationId xmlns:p14="http://schemas.microsoft.com/office/powerpoint/2010/main" val="641521389"/>
+      </p:ext>
+    </p:extLst>
+  </p:cSld>
+  <p:clrMapOvr>
+    <a:masterClrMapping/>
+  </p:clrMapOvr>
+  <p:timing>
+    <p:tnLst>
+      <p:par>
+        <p:cTn id="1" dur="indefinite" restart="never" nodeType="tmRoot"/>
+      </p:par>
+    </p:tnLst>
+  </p:timing>
+</p:sld>
+</file>
+
+<file path=ppt/slides/slide20.xml><?xml version="1.0" encoding="utf-8"?>
 <p:sld xmlns:a="http://schemas.openxmlformats.org/drawingml/2006/main" xmlns:r="http://schemas.openxmlformats.org/officeDocument/2006/relationships" xmlns:p="http://schemas.openxmlformats.org/presentationml/2006/main">
   <p:cSld>
     <p:spTree>
@@ -8270,7 +8564,7 @@
 </p:sld>
 </file>
 
-<file path=ppt/slides/slide2.xml><?xml version="1.0" encoding="utf-8"?>
+<file path=ppt/slides/slide21.xml><?xml version="1.0" encoding="utf-8"?>
 <p:sld xmlns:a="http://schemas.openxmlformats.org/drawingml/2006/main" xmlns:r="http://schemas.openxmlformats.org/officeDocument/2006/relationships" xmlns:p="http://schemas.openxmlformats.org/presentationml/2006/main">
   <p:cSld>
     <p:spTree>
@@ -8303,10 +8597,25 @@
           <a:lstStyle/>
           <a:p>
             <a:r>
-              <a:rPr lang="en-US" dirty="0" smtClean="0"/>
-              <a:t>Lesson Plan</a:t>
-            </a:r>
-            <a:endParaRPr lang="en-US" dirty="0"/>
+              <a:rPr lang="en-US" dirty="0"/>
+              <a:t>Lab </a:t>
+            </a:r>
+            <a:r>
+              <a:rPr lang="en-US" dirty="0" err="1"/>
+              <a:t>SubLessonA</a:t>
+            </a:r>
+            <a:r>
+              <a:rPr lang="en-US" dirty="0"/>
+              <a:t>: Navigating </a:t>
+            </a:r>
+            <a:r>
+              <a:rPr lang="en-US" dirty="0" err="1"/>
+              <a:t>unix</a:t>
+            </a:r>
+            <a:r>
+              <a:rPr lang="en-US" dirty="0"/>
+              <a:t> and checking files </a:t>
+            </a:r>
           </a:p>
         </p:txBody>
       </p:sp>
@@ -8322,84 +8631,37 @@
         </p:nvSpPr>
         <p:spPr/>
         <p:txBody>
-          <a:bodyPr>
-            <a:normAutofit fontScale="92500" lnSpcReduction="10000"/>
-          </a:bodyPr>
+          <a:bodyPr/>
           <a:lstStyle/>
           <a:p>
             <a:r>
               <a:rPr lang="en-US" dirty="0" smtClean="0"/>
-              <a:t>Introduction and syllabus</a:t>
-            </a:r>
-            <a:br>
-              <a:rPr lang="en-US" dirty="0" smtClean="0"/>
-            </a:br>
+              <a:t>Now, I want you to take a closer look at the file using the following commands:</a:t>
+            </a:r>
+          </a:p>
+          <a:p>
+            <a:pPr lvl="1"/>
+            <a:r>
+              <a:rPr lang="en-US" dirty="0" smtClean="0"/>
+              <a:t>tail</a:t>
+            </a:r>
+          </a:p>
+          <a:p>
+            <a:pPr lvl="1"/>
+            <a:r>
+              <a:rPr lang="en-US" dirty="0" err="1" smtClean="0"/>
+              <a:t>wc</a:t>
+            </a:r>
             <a:endParaRPr lang="en-US" dirty="0" smtClean="0"/>
           </a:p>
           <a:p>
-            <a:r>
-              <a:rPr lang="en-US" dirty="0" smtClean="0"/>
-              <a:t>Command Line </a:t>
-            </a:r>
-            <a:r>
-              <a:rPr lang="en-US" dirty="0" smtClean="0"/>
-              <a:t>introduction</a:t>
-            </a:r>
-            <a:r>
-              <a:rPr lang="en-US" dirty="0" smtClean="0"/>
-              <a:t/>
-            </a:r>
-            <a:br>
-              <a:rPr lang="en-US" dirty="0" smtClean="0"/>
-            </a:br>
-            <a:endParaRPr lang="en-US" dirty="0" smtClean="0"/>
-          </a:p>
-          <a:p>
-            <a:r>
-              <a:rPr lang="en-US" dirty="0" smtClean="0"/>
-              <a:t>Navigation and orientation on the command line</a:t>
-            </a:r>
-          </a:p>
-          <a:p>
             <a:pPr lvl="1"/>
-            <a:r>
-              <a:rPr lang="en-US" dirty="0" smtClean="0"/>
-              <a:t>ls, </a:t>
-            </a:r>
-            <a:r>
-              <a:rPr lang="en-US" dirty="0" err="1" smtClean="0"/>
-              <a:t>pwd</a:t>
-            </a:r>
-            <a:r>
-              <a:rPr lang="en-US" dirty="0" smtClean="0"/>
-              <a:t>, cd</a:t>
-            </a:r>
-            <a:br>
-              <a:rPr lang="en-US" dirty="0" smtClean="0"/>
-            </a:br>
-            <a:endParaRPr lang="en-US" dirty="0" smtClean="0"/>
-          </a:p>
-          <a:p>
-            <a:r>
-              <a:rPr lang="en-US" dirty="0" smtClean="0"/>
-              <a:t>Text file viewing</a:t>
-            </a:r>
-          </a:p>
-          <a:p>
-            <a:pPr lvl="1"/>
-            <a:r>
-              <a:rPr lang="en-US" dirty="0" smtClean="0"/>
-              <a:t>head, tail, cat</a:t>
-            </a:r>
-            <a:br>
-              <a:rPr lang="en-US" dirty="0" smtClean="0"/>
-            </a:br>
-            <a:endParaRPr lang="en-US" dirty="0" smtClean="0"/>
-          </a:p>
-          <a:p>
-            <a:r>
-              <a:rPr lang="en-US" dirty="0" smtClean="0"/>
-              <a:t>Simple executable submission and who you are as a user</a:t>
+            <a:endParaRPr lang="en-US" dirty="0"/>
+          </a:p>
+          <a:p>
+            <a:r>
+              <a:rPr lang="en-US" dirty="0" smtClean="0"/>
+              <a:t>Can we see all of the file using just head and tail? Try one of the other commands, like “cat” or “more.” </a:t>
             </a:r>
             <a:endParaRPr lang="en-US" dirty="0"/>
           </a:p>
@@ -8408,7 +8670,7 @@
     </p:spTree>
     <p:extLst>
       <p:ext uri="{BB962C8B-B14F-4D97-AF65-F5344CB8AC3E}">
-        <p14:creationId xmlns:p14="http://schemas.microsoft.com/office/powerpoint/2010/main" val="641521389"/>
+        <p14:creationId xmlns:p14="http://schemas.microsoft.com/office/powerpoint/2010/main" val="1632176741"/>
       </p:ext>
     </p:extLst>
   </p:cSld>
@@ -8418,14 +8680,86 @@
   <p:timing>
     <p:tnLst>
       <p:par>
-        <p:cTn id="1" dur="indefinite" restart="never" nodeType="tmRoot"/>
+        <p:cTn id="1" dur="indefinite" restart="never" nodeType="tmRoot">
+          <p:childTnLst>
+            <p:seq concurrent="1" nextAc="seek">
+              <p:cTn id="2" dur="indefinite" nodeType="mainSeq">
+                <p:childTnLst>
+                  <p:par>
+                    <p:cTn id="3" fill="hold">
+                      <p:stCondLst>
+                        <p:cond delay="indefinite"/>
+                      </p:stCondLst>
+                      <p:childTnLst>
+                        <p:par>
+                          <p:cTn id="4" fill="hold">
+                            <p:stCondLst>
+                              <p:cond delay="0"/>
+                            </p:stCondLst>
+                            <p:childTnLst>
+                              <p:par>
+                                <p:cTn id="5" presetID="1" presetClass="entr" presetSubtype="0" fill="hold" nodeType="clickEffect">
+                                  <p:stCondLst>
+                                    <p:cond delay="0"/>
+                                  </p:stCondLst>
+                                  <p:childTnLst>
+                                    <p:set>
+                                      <p:cBhvr>
+                                        <p:cTn id="6" dur="1" fill="hold">
+                                          <p:stCondLst>
+                                            <p:cond delay="0"/>
+                                          </p:stCondLst>
+                                        </p:cTn>
+                                        <p:tgtEl>
+                                          <p:spTgt spid="3">
+                                            <p:txEl>
+                                              <p:pRg st="4" end="4"/>
+                                            </p:txEl>
+                                          </p:spTgt>
+                                        </p:tgtEl>
+                                        <p:attrNameLst>
+                                          <p:attrName>style.visibility</p:attrName>
+                                        </p:attrNameLst>
+                                      </p:cBhvr>
+                                      <p:to>
+                                        <p:strVal val="visible"/>
+                                      </p:to>
+                                    </p:set>
+                                  </p:childTnLst>
+                                </p:cTn>
+                              </p:par>
+                            </p:childTnLst>
+                          </p:cTn>
+                        </p:par>
+                      </p:childTnLst>
+                    </p:cTn>
+                  </p:par>
+                </p:childTnLst>
+              </p:cTn>
+              <p:prevCondLst>
+                <p:cond evt="onPrev" delay="0">
+                  <p:tgtEl>
+                    <p:sldTgt/>
+                  </p:tgtEl>
+                </p:cond>
+              </p:prevCondLst>
+              <p:nextCondLst>
+                <p:cond evt="onNext" delay="0">
+                  <p:tgtEl>
+                    <p:sldTgt/>
+                  </p:tgtEl>
+                </p:cond>
+              </p:nextCondLst>
+            </p:seq>
+          </p:childTnLst>
+        </p:cTn>
       </p:par>
     </p:tnLst>
   </p:timing>
 </p:sld>
 </file>
 
-<file path=ppt/slides/slide20.xml><?xml version="1.0" encoding="utf-8"?>
+<file path=ppt/slides/slide22.xml><?xml version="1.0" encoding="utf-8"?>
 <p:sld xmlns:a="http://schemas.openxmlformats.org/drawingml/2006/main" xmlns:r="http://schemas.openxmlformats.org/officeDocument/2006/relationships" xmlns:p="http://schemas.openxmlformats.org/presentationml/2006/main">
   <p:cSld>
     <p:spTree>
@@ -8562,8 +8896,8 @@
         </p:blipFill>
         <p:spPr>
           <a:xfrm>
-            <a:off x="3882171" y="2386746"/>
-            <a:ext cx="4181475" cy="238125"/>
+            <a:off x="2010542" y="2526804"/>
+            <a:ext cx="7572398" cy="431228"/>
           </a:xfrm>
           <a:prstGeom prst="rect">
             <a:avLst/>
@@ -8586,8 +8920,8 @@
         </p:blipFill>
         <p:spPr>
           <a:xfrm>
-            <a:off x="4416669" y="4001295"/>
-            <a:ext cx="2971800" cy="219075"/>
+            <a:off x="2983766" y="4521667"/>
+            <a:ext cx="5468490" cy="403124"/>
           </a:xfrm>
           <a:prstGeom prst="rect">
             <a:avLst/>
@@ -8762,7 +9096,7 @@
 </p:sld>
 </file>
 
-<file path=ppt/slides/slide21.xml><?xml version="1.0" encoding="utf-8"?>
+<file path=ppt/slides/slide23.xml><?xml version="1.0" encoding="utf-8"?>
 <p:sld xmlns:a="http://schemas.openxmlformats.org/drawingml/2006/main" xmlns:r="http://schemas.openxmlformats.org/officeDocument/2006/relationships" xmlns:p="http://schemas.openxmlformats.org/presentationml/2006/main">
   <p:cSld>
     <p:spTree>
@@ -8876,11 +9210,6 @@
               </a:rPr>
               <a:t>Title bar! Contains your file name</a:t>
             </a:r>
-            <a:endParaRPr lang="en-US" dirty="0">
-              <a:solidFill>
-                <a:srgbClr val="0070C0"/>
-              </a:solidFill>
-            </a:endParaRPr>
           </a:p>
         </p:txBody>
       </p:sp>
@@ -8989,7 +9318,6 @@
               <a:rPr lang="en-US" dirty="0"/>
               <a:t>” (Exit).</a:t>
             </a:r>
-            <a:endParaRPr lang="en-US" dirty="0"/>
           </a:p>
         </p:txBody>
       </p:sp>
@@ -9130,7 +9458,7 @@
 </p:sld>
 </file>
 
-<file path=ppt/slides/slide22.xml><?xml version="1.0" encoding="utf-8"?>
+<file path=ppt/slides/slide24.xml><?xml version="1.0" encoding="utf-8"?>
 <p:sld xmlns:a="http://schemas.openxmlformats.org/drawingml/2006/main" xmlns:r="http://schemas.openxmlformats.org/officeDocument/2006/relationships" xmlns:p="http://schemas.openxmlformats.org/presentationml/2006/main">
   <p:cSld>
     <p:spTree>
@@ -9183,7 +9511,7 @@
         <p:spPr/>
         <p:txBody>
           <a:bodyPr>
-            <a:normAutofit fontScale="92500" lnSpcReduction="10000"/>
+            <a:normAutofit fontScale="92500"/>
           </a:bodyPr>
           <a:lstStyle/>
           <a:p>
@@ -9239,7 +9567,7 @@
           <a:p>
             <a:r>
               <a:rPr lang="en-US" dirty="0" smtClean="0"/>
-              <a:t>Alright, with that simple lesson, you now know enough to be dangerous! Let’s demonstrate</a:t>
+              <a:t>Alright, with that simple lesson, you now know enough to be dangerous! </a:t>
             </a:r>
             <a:endParaRPr lang="en-US" dirty="0"/>
           </a:p>
@@ -9261,7 +9589,7 @@
         </p:blipFill>
         <p:spPr>
           <a:xfrm>
-            <a:off x="3262313" y="4379302"/>
+            <a:off x="3262312" y="4740029"/>
             <a:ext cx="5667375" cy="438150"/>
           </a:xfrm>
           <a:prstGeom prst="rect">
@@ -9437,7 +9765,7 @@
 </p:sld>
 </file>
 
-<file path=ppt/slides/slide23.xml><?xml version="1.0" encoding="utf-8"?>
+<file path=ppt/slides/slide25.xml><?xml version="1.0" encoding="utf-8"?>
 <p:sld xmlns:a="http://schemas.openxmlformats.org/drawingml/2006/main" xmlns:r="http://schemas.openxmlformats.org/officeDocument/2006/relationships" xmlns:p="http://schemas.openxmlformats.org/presentationml/2006/main">
   <p:cSld>
     <p:spTree>
@@ -9470,201 +9798,6 @@
           <a:lstStyle/>
           <a:p>
             <a:r>
-              <a:rPr lang="en-US" dirty="0"/>
-              <a:t>Lab </a:t>
-            </a:r>
-            <a:r>
-              <a:rPr lang="en-US" dirty="0" err="1"/>
-              <a:t>SubLessonA</a:t>
-            </a:r>
-            <a:r>
-              <a:rPr lang="en-US" dirty="0"/>
-              <a:t>: Navigating </a:t>
-            </a:r>
-            <a:r>
-              <a:rPr lang="en-US" dirty="0" err="1"/>
-              <a:t>unix</a:t>
-            </a:r>
-            <a:r>
-              <a:rPr lang="en-US" dirty="0"/>
-              <a:t> and checking files </a:t>
-            </a:r>
-          </a:p>
-        </p:txBody>
-      </p:sp>
-      <p:sp>
-        <p:nvSpPr>
-          <p:cNvPr id="3" name="Content Placeholder 2"/>
-          <p:cNvSpPr>
-            <a:spLocks noGrp="1"/>
-          </p:cNvSpPr>
-          <p:nvPr>
-            <p:ph idx="1"/>
-          </p:nvPr>
-        </p:nvSpPr>
-        <p:spPr/>
-        <p:txBody>
-          <a:bodyPr/>
-          <a:lstStyle/>
-          <a:p>
-            <a:r>
-              <a:rPr lang="en-US" dirty="0" smtClean="0"/>
-              <a:t>Now, I want you to take a closer look at the file using the following commands:</a:t>
-            </a:r>
-          </a:p>
-          <a:p>
-            <a:pPr lvl="1"/>
-            <a:r>
-              <a:rPr lang="en-US" dirty="0" smtClean="0"/>
-              <a:t>tail</a:t>
-            </a:r>
-          </a:p>
-          <a:p>
-            <a:pPr lvl="1"/>
-            <a:r>
-              <a:rPr lang="en-US" dirty="0" err="1" smtClean="0"/>
-              <a:t>wc</a:t>
-            </a:r>
-            <a:endParaRPr lang="en-US" dirty="0" smtClean="0"/>
-          </a:p>
-          <a:p>
-            <a:pPr lvl="1"/>
-            <a:endParaRPr lang="en-US" dirty="0"/>
-          </a:p>
-          <a:p>
-            <a:r>
-              <a:rPr lang="en-US" dirty="0" smtClean="0"/>
-              <a:t>Can we see all of the file using just head and tail? Try one of the other commands, like “cat” or “more.” </a:t>
-            </a:r>
-            <a:endParaRPr lang="en-US" dirty="0"/>
-          </a:p>
-        </p:txBody>
-      </p:sp>
-    </p:spTree>
-    <p:extLst>
-      <p:ext uri="{BB962C8B-B14F-4D97-AF65-F5344CB8AC3E}">
-        <p14:creationId xmlns:p14="http://schemas.microsoft.com/office/powerpoint/2010/main" val="1632176741"/>
-      </p:ext>
-    </p:extLst>
-  </p:cSld>
-  <p:clrMapOvr>
-    <a:masterClrMapping/>
-  </p:clrMapOvr>
-  <p:timing>
-    <p:tnLst>
-      <p:par>
-        <p:cTn id="1" dur="indefinite" restart="never" nodeType="tmRoot">
-          <p:childTnLst>
-            <p:seq concurrent="1" nextAc="seek">
-              <p:cTn id="2" dur="indefinite" nodeType="mainSeq">
-                <p:childTnLst>
-                  <p:par>
-                    <p:cTn id="3" fill="hold">
-                      <p:stCondLst>
-                        <p:cond delay="indefinite"/>
-                      </p:stCondLst>
-                      <p:childTnLst>
-                        <p:par>
-                          <p:cTn id="4" fill="hold">
-                            <p:stCondLst>
-                              <p:cond delay="0"/>
-                            </p:stCondLst>
-                            <p:childTnLst>
-                              <p:par>
-                                <p:cTn id="5" presetID="1" presetClass="entr" presetSubtype="0" fill="hold" nodeType="clickEffect">
-                                  <p:stCondLst>
-                                    <p:cond delay="0"/>
-                                  </p:stCondLst>
-                                  <p:childTnLst>
-                                    <p:set>
-                                      <p:cBhvr>
-                                        <p:cTn id="6" dur="1" fill="hold">
-                                          <p:stCondLst>
-                                            <p:cond delay="0"/>
-                                          </p:stCondLst>
-                                        </p:cTn>
-                                        <p:tgtEl>
-                                          <p:spTgt spid="3">
-                                            <p:txEl>
-                                              <p:pRg st="4" end="4"/>
-                                            </p:txEl>
-                                          </p:spTgt>
-                                        </p:tgtEl>
-                                        <p:attrNameLst>
-                                          <p:attrName>style.visibility</p:attrName>
-                                        </p:attrNameLst>
-                                      </p:cBhvr>
-                                      <p:to>
-                                        <p:strVal val="visible"/>
-                                      </p:to>
-                                    </p:set>
-                                  </p:childTnLst>
-                                </p:cTn>
-                              </p:par>
-                            </p:childTnLst>
-                          </p:cTn>
-                        </p:par>
-                      </p:childTnLst>
-                    </p:cTn>
-                  </p:par>
-                </p:childTnLst>
-              </p:cTn>
-              <p:prevCondLst>
-                <p:cond evt="onPrev" delay="0">
-                  <p:tgtEl>
-                    <p:sldTgt/>
-                  </p:tgtEl>
-                </p:cond>
-              </p:prevCondLst>
-              <p:nextCondLst>
-                <p:cond evt="onNext" delay="0">
-                  <p:tgtEl>
-                    <p:sldTgt/>
-                  </p:tgtEl>
-                </p:cond>
-              </p:nextCondLst>
-            </p:seq>
-          </p:childTnLst>
-        </p:cTn>
-      </p:par>
-    </p:tnLst>
-  </p:timing>
-</p:sld>
-</file>
-
-<file path=ppt/slides/slide24.xml><?xml version="1.0" encoding="utf-8"?>
-<p:sld xmlns:a="http://schemas.openxmlformats.org/drawingml/2006/main" xmlns:r="http://schemas.openxmlformats.org/officeDocument/2006/relationships" xmlns:p="http://schemas.openxmlformats.org/presentationml/2006/main">
-  <p:cSld>
-    <p:spTree>
-      <p:nvGrpSpPr>
-        <p:cNvPr id="1" name=""/>
-        <p:cNvGrpSpPr/>
-        <p:nvPr/>
-      </p:nvGrpSpPr>
-      <p:grpSpPr>
-        <a:xfrm>
-          <a:off x="0" y="0"/>
-          <a:ext cx="0" cy="0"/>
-          <a:chOff x="0" y="0"/>
-          <a:chExt cx="0" cy="0"/>
-        </a:xfrm>
-      </p:grpSpPr>
-      <p:sp>
-        <p:nvSpPr>
-          <p:cNvPr id="2" name="Title 1"/>
-          <p:cNvSpPr>
-            <a:spLocks noGrp="1"/>
-          </p:cNvSpPr>
-          <p:nvPr>
-            <p:ph type="title"/>
-          </p:nvPr>
-        </p:nvSpPr>
-        <p:spPr/>
-        <p:txBody>
-          <a:bodyPr/>
-          <a:lstStyle/>
-          <a:p>
-            <a:r>
               <a:rPr lang="en-US" dirty="0" smtClean="0"/>
               <a:t>Lab </a:t>
             </a:r>
@@ -9776,8 +9909,8 @@
         </p:blipFill>
         <p:spPr>
           <a:xfrm>
-            <a:off x="1813047" y="2658208"/>
-            <a:ext cx="8143875" cy="381000"/>
+            <a:off x="838200" y="2700152"/>
+            <a:ext cx="10244525" cy="479276"/>
           </a:xfrm>
           <a:prstGeom prst="rect">
             <a:avLst/>
@@ -9987,7 +10120,7 @@
 </p:sld>
 </file>
 
-<file path=ppt/slides/slide25.xml><?xml version="1.0" encoding="utf-8"?>
+<file path=ppt/slides/slide26.xml><?xml version="1.0" encoding="utf-8"?>
 <p:sld xmlns:a="http://schemas.openxmlformats.org/drawingml/2006/main" xmlns:r="http://schemas.openxmlformats.org/officeDocument/2006/relationships" xmlns:p="http://schemas.openxmlformats.org/presentationml/2006/main">
   <p:cSld>
     <p:spTree>
@@ -10310,7 +10443,7 @@
 </p:sld>
 </file>
 
-<file path=ppt/slides/slide26.xml><?xml version="1.0" encoding="utf-8"?>
+<file path=ppt/slides/slide27.xml><?xml version="1.0" encoding="utf-8"?>
 <p:sld xmlns:a="http://schemas.openxmlformats.org/drawingml/2006/main" xmlns:r="http://schemas.openxmlformats.org/officeDocument/2006/relationships" xmlns:p="http://schemas.openxmlformats.org/presentationml/2006/main">
   <p:cSld>
     <p:spTree>
@@ -10538,11 +10671,6 @@
                 </a:rPr>
                 <a:t>Directory? “d” if yes</a:t>
               </a:r>
-              <a:endParaRPr lang="en-US" dirty="0">
-                <a:solidFill>
-                  <a:srgbClr val="0070C0"/>
-                </a:solidFill>
-              </a:endParaRPr>
             </a:p>
           </p:txBody>
         </p:sp>
@@ -10637,11 +10765,6 @@
                 </a:rPr>
                 <a:t>Owner permissions</a:t>
               </a:r>
-              <a:endParaRPr lang="en-US" dirty="0">
-                <a:solidFill>
-                  <a:srgbClr val="FF0000"/>
-                </a:solidFill>
-              </a:endParaRPr>
             </a:p>
           </p:txBody>
         </p:sp>
@@ -10736,11 +10859,6 @@
                 </a:rPr>
                 <a:t>Group permissions</a:t>
               </a:r>
-              <a:endParaRPr lang="en-US" dirty="0">
-                <a:solidFill>
-                  <a:srgbClr val="FFC000"/>
-                </a:solidFill>
-              </a:endParaRPr>
             </a:p>
           </p:txBody>
         </p:sp>
@@ -10838,11 +10956,6 @@
                 </a:rPr>
                 <a:t>Everyone else’s permissions</a:t>
               </a:r>
-              <a:endParaRPr lang="en-US" dirty="0">
-                <a:solidFill>
-                  <a:srgbClr val="00B050"/>
-                </a:solidFill>
-              </a:endParaRPr>
             </a:p>
           </p:txBody>
         </p:sp>
@@ -11306,7 +11419,7 @@
 </p:sld>
 </file>
 
-<file path=ppt/slides/slide27.xml><?xml version="1.0" encoding="utf-8"?>
+<file path=ppt/slides/slide28.xml><?xml version="1.0" encoding="utf-8"?>
 <p:sld xmlns:a="http://schemas.openxmlformats.org/drawingml/2006/main" xmlns:r="http://schemas.openxmlformats.org/officeDocument/2006/relationships" xmlns:p="http://schemas.openxmlformats.org/presentationml/2006/main">
   <p:cSld>
     <p:spTree>
@@ -11445,7 +11558,7 @@
         </p:blipFill>
         <p:spPr>
           <a:xfrm>
-            <a:off x="4012623" y="3241098"/>
+            <a:off x="4062957" y="3241098"/>
             <a:ext cx="1640032" cy="670922"/>
           </a:xfrm>
           <a:prstGeom prst="rect">
@@ -11469,7 +11582,7 @@
         </p:blipFill>
         <p:spPr>
           <a:xfrm>
-            <a:off x="7954241" y="3912020"/>
+            <a:off x="7971019" y="4001294"/>
             <a:ext cx="1522268" cy="367444"/>
           </a:xfrm>
           <a:prstGeom prst="rect">
@@ -11492,7 +11605,7 @@
         </p:blipFill>
         <p:spPr>
           <a:xfrm>
-            <a:off x="3552027" y="5976065"/>
+            <a:off x="4164424" y="6111001"/>
             <a:ext cx="2294591" cy="401797"/>
           </a:xfrm>
           <a:prstGeom prst="rect">
@@ -11726,7 +11839,7 @@
 </p:sld>
 </file>
 
-<file path=ppt/slides/slide28.xml><?xml version="1.0" encoding="utf-8"?>
+<file path=ppt/slides/slide29.xml><?xml version="1.0" encoding="utf-8"?>
 <p:sld xmlns:a="http://schemas.openxmlformats.org/drawingml/2006/main" xmlns:r="http://schemas.openxmlformats.org/officeDocument/2006/relationships" xmlns:p="http://schemas.openxmlformats.org/presentationml/2006/main">
   <p:cSld>
     <p:spTree>
@@ -11884,8 +11997,8 @@
         </p:blipFill>
         <p:spPr>
           <a:xfrm>
-            <a:off x="4409709" y="2618643"/>
-            <a:ext cx="2809875" cy="266700"/>
+            <a:off x="3839698" y="2668977"/>
+            <a:ext cx="3698668" cy="351060"/>
           </a:xfrm>
           <a:prstGeom prst="rect">
             <a:avLst/>
@@ -11908,8 +12021,8 @@
         </p:blipFill>
         <p:spPr>
           <a:xfrm>
-            <a:off x="4814520" y="6176964"/>
-            <a:ext cx="2000250" cy="276225"/>
+            <a:off x="4471567" y="6176963"/>
+            <a:ext cx="2653596" cy="366449"/>
           </a:xfrm>
           <a:prstGeom prst="rect">
             <a:avLst/>
@@ -12084,202 +12197,6 @@
 </p:sld>
 </file>
 
-<file path=ppt/slides/slide29.xml><?xml version="1.0" encoding="utf-8"?>
-<p:sld xmlns:a="http://schemas.openxmlformats.org/drawingml/2006/main" xmlns:r="http://schemas.openxmlformats.org/officeDocument/2006/relationships" xmlns:p="http://schemas.openxmlformats.org/presentationml/2006/main">
-  <p:cSld>
-    <p:spTree>
-      <p:nvGrpSpPr>
-        <p:cNvPr id="1" name=""/>
-        <p:cNvGrpSpPr/>
-        <p:nvPr/>
-      </p:nvGrpSpPr>
-      <p:grpSpPr>
-        <a:xfrm>
-          <a:off x="0" y="0"/>
-          <a:ext cx="0" cy="0"/>
-          <a:chOff x="0" y="0"/>
-          <a:chExt cx="0" cy="0"/>
-        </a:xfrm>
-      </p:grpSpPr>
-      <p:sp>
-        <p:nvSpPr>
-          <p:cNvPr id="2" name="Title 1"/>
-          <p:cNvSpPr>
-            <a:spLocks noGrp="1"/>
-          </p:cNvSpPr>
-          <p:nvPr>
-            <p:ph type="title"/>
-          </p:nvPr>
-        </p:nvSpPr>
-        <p:spPr/>
-        <p:txBody>
-          <a:bodyPr/>
-          <a:lstStyle/>
-          <a:p>
-            <a:r>
-              <a:rPr lang="en-US" dirty="0" smtClean="0"/>
-              <a:t>And here’s what you should have seen</a:t>
-            </a:r>
-            <a:endParaRPr lang="en-US" dirty="0"/>
-          </a:p>
-        </p:txBody>
-      </p:sp>
-      <p:sp>
-        <p:nvSpPr>
-          <p:cNvPr id="3" name="Content Placeholder 2"/>
-          <p:cNvSpPr>
-            <a:spLocks noGrp="1"/>
-          </p:cNvSpPr>
-          <p:nvPr>
-            <p:ph idx="1"/>
-          </p:nvPr>
-        </p:nvSpPr>
-        <p:spPr>
-          <a:xfrm>
-            <a:off x="2152650" y="4431323"/>
-            <a:ext cx="7886700" cy="1987123"/>
-          </a:xfrm>
-        </p:spPr>
-        <p:txBody>
-          <a:bodyPr>
-            <a:normAutofit lnSpcReduction="10000"/>
-          </a:bodyPr>
-          <a:lstStyle/>
-          <a:p>
-            <a:r>
-              <a:rPr lang="en-US" dirty="0" smtClean="0"/>
-              <a:t>So, things were happening (were they?) in this folder. What should your first instinct be? </a:t>
-            </a:r>
-            <a:br>
-              <a:rPr lang="en-US" dirty="0" smtClean="0"/>
-            </a:br>
-            <a:endParaRPr lang="en-US" dirty="0" smtClean="0"/>
-          </a:p>
-          <a:p>
-            <a:r>
-              <a:rPr lang="en-US" dirty="0" smtClean="0"/>
-              <a:t>If you said, “use ls to find out what happened,” you get a gold star!</a:t>
-            </a:r>
-            <a:endParaRPr lang="en-US" dirty="0"/>
-          </a:p>
-        </p:txBody>
-      </p:sp>
-      <p:pic>
-        <p:nvPicPr>
-          <p:cNvPr id="4" name="Picture 3"/>
-          <p:cNvPicPr>
-            <a:picLocks noChangeAspect="1"/>
-          </p:cNvPicPr>
-          <p:nvPr/>
-        </p:nvPicPr>
-        <p:blipFill>
-          <a:blip r:embed="rId2"/>
-          <a:stretch>
-            <a:fillRect/>
-          </a:stretch>
-        </p:blipFill>
-        <p:spPr>
-          <a:xfrm>
-            <a:off x="3587096" y="1509103"/>
-            <a:ext cx="4524375" cy="2733675"/>
-          </a:xfrm>
-          <a:prstGeom prst="rect">
-            <a:avLst/>
-          </a:prstGeom>
-        </p:spPr>
-      </p:pic>
-    </p:spTree>
-    <p:extLst>
-      <p:ext uri="{BB962C8B-B14F-4D97-AF65-F5344CB8AC3E}">
-        <p14:creationId xmlns:p14="http://schemas.microsoft.com/office/powerpoint/2010/main" val="1669737492"/>
-      </p:ext>
-    </p:extLst>
-  </p:cSld>
-  <p:clrMapOvr>
-    <a:masterClrMapping/>
-  </p:clrMapOvr>
-  <p:timing>
-    <p:tnLst>
-      <p:par>
-        <p:cTn id="1" dur="indefinite" restart="never" nodeType="tmRoot">
-          <p:childTnLst>
-            <p:seq concurrent="1" nextAc="seek">
-              <p:cTn id="2" dur="indefinite" nodeType="mainSeq">
-                <p:childTnLst>
-                  <p:par>
-                    <p:cTn id="3" fill="hold">
-                      <p:stCondLst>
-                        <p:cond delay="indefinite"/>
-                      </p:stCondLst>
-                      <p:childTnLst>
-                        <p:par>
-                          <p:cTn id="4" fill="hold">
-                            <p:stCondLst>
-                              <p:cond delay="0"/>
-                            </p:stCondLst>
-                            <p:childTnLst>
-                              <p:par>
-                                <p:cTn id="5" presetID="1" presetClass="entr" presetSubtype="0" fill="hold" nodeType="clickEffect">
-                                  <p:stCondLst>
-                                    <p:cond delay="0"/>
-                                  </p:stCondLst>
-                                  <p:childTnLst>
-                                    <p:set>
-                                      <p:cBhvr>
-                                        <p:cTn id="6" dur="1" fill="hold">
-                                          <p:stCondLst>
-                                            <p:cond delay="0"/>
-                                          </p:stCondLst>
-                                        </p:cTn>
-                                        <p:tgtEl>
-                                          <p:spTgt spid="3">
-                                            <p:txEl>
-                                              <p:pRg st="1" end="1"/>
-                                            </p:txEl>
-                                          </p:spTgt>
-                                        </p:tgtEl>
-                                        <p:attrNameLst>
-                                          <p:attrName>style.visibility</p:attrName>
-                                        </p:attrNameLst>
-                                      </p:cBhvr>
-                                      <p:to>
-                                        <p:strVal val="visible"/>
-                                      </p:to>
-                                    </p:set>
-                                  </p:childTnLst>
-                                </p:cTn>
-                              </p:par>
-                            </p:childTnLst>
-                          </p:cTn>
-                        </p:par>
-                      </p:childTnLst>
-                    </p:cTn>
-                  </p:par>
-                </p:childTnLst>
-              </p:cTn>
-              <p:prevCondLst>
-                <p:cond evt="onPrev" delay="0">
-                  <p:tgtEl>
-                    <p:sldTgt/>
-                  </p:tgtEl>
-                </p:cond>
-              </p:prevCondLst>
-              <p:nextCondLst>
-                <p:cond evt="onNext" delay="0">
-                  <p:tgtEl>
-                    <p:sldTgt/>
-                  </p:tgtEl>
-                </p:cond>
-              </p:nextCondLst>
-            </p:seq>
-          </p:childTnLst>
-        </p:cTn>
-      </p:par>
-    </p:tnLst>
-  </p:timing>
-</p:sld>
-</file>
-
 <file path=ppt/slides/slide3.xml><?xml version="1.0" encoding="utf-8"?>
 <p:sld xmlns:a="http://schemas.openxmlformats.org/drawingml/2006/main" xmlns:r="http://schemas.openxmlformats.org/officeDocument/2006/relationships" xmlns:p="http://schemas.openxmlformats.org/presentationml/2006/main">
   <p:cSld>
@@ -12530,6 +12447,1555 @@
             </p:seq>
           </p:childTnLst>
         </p:cTn>
+      </p:par>
+    </p:tnLst>
+  </p:timing>
+</p:sld>
+</file>
+
+<file path=ppt/slides/slide30.xml><?xml version="1.0" encoding="utf-8"?>
+<p:sld xmlns:a="http://schemas.openxmlformats.org/drawingml/2006/main" xmlns:r="http://schemas.openxmlformats.org/officeDocument/2006/relationships" xmlns:p="http://schemas.openxmlformats.org/presentationml/2006/main">
+  <p:cSld>
+    <p:spTree>
+      <p:nvGrpSpPr>
+        <p:cNvPr id="1" name=""/>
+        <p:cNvGrpSpPr/>
+        <p:nvPr/>
+      </p:nvGrpSpPr>
+      <p:grpSpPr>
+        <a:xfrm>
+          <a:off x="0" y="0"/>
+          <a:ext cx="0" cy="0"/>
+          <a:chOff x="0" y="0"/>
+          <a:chExt cx="0" cy="0"/>
+        </a:xfrm>
+      </p:grpSpPr>
+      <p:sp>
+        <p:nvSpPr>
+          <p:cNvPr id="2" name="Title 1"/>
+          <p:cNvSpPr>
+            <a:spLocks noGrp="1"/>
+          </p:cNvSpPr>
+          <p:nvPr>
+            <p:ph type="title"/>
+          </p:nvPr>
+        </p:nvSpPr>
+        <p:spPr/>
+        <p:txBody>
+          <a:bodyPr/>
+          <a:lstStyle/>
+          <a:p>
+            <a:r>
+              <a:rPr lang="en-US" dirty="0" smtClean="0"/>
+              <a:t>And here’s what you should have seen</a:t>
+            </a:r>
+            <a:endParaRPr lang="en-US" dirty="0"/>
+          </a:p>
+        </p:txBody>
+      </p:sp>
+      <p:sp>
+        <p:nvSpPr>
+          <p:cNvPr id="3" name="Content Placeholder 2"/>
+          <p:cNvSpPr>
+            <a:spLocks noGrp="1"/>
+          </p:cNvSpPr>
+          <p:nvPr>
+            <p:ph idx="1"/>
+          </p:nvPr>
+        </p:nvSpPr>
+        <p:spPr>
+          <a:xfrm>
+            <a:off x="2152650" y="4431323"/>
+            <a:ext cx="7886700" cy="1987123"/>
+          </a:xfrm>
+        </p:spPr>
+        <p:txBody>
+          <a:bodyPr>
+            <a:normAutofit lnSpcReduction="10000"/>
+          </a:bodyPr>
+          <a:lstStyle/>
+          <a:p>
+            <a:r>
+              <a:rPr lang="en-US" dirty="0" smtClean="0"/>
+              <a:t>So, things were happening (were they?) in this folder. What should your first instinct be? </a:t>
+            </a:r>
+            <a:br>
+              <a:rPr lang="en-US" dirty="0" smtClean="0"/>
+            </a:br>
+            <a:endParaRPr lang="en-US" dirty="0" smtClean="0"/>
+          </a:p>
+          <a:p>
+            <a:r>
+              <a:rPr lang="en-US" dirty="0" smtClean="0"/>
+              <a:t>If you said, “use ls to find out what happened,” you get a gold star!</a:t>
+            </a:r>
+            <a:endParaRPr lang="en-US" dirty="0"/>
+          </a:p>
+        </p:txBody>
+      </p:sp>
+      <p:pic>
+        <p:nvPicPr>
+          <p:cNvPr id="4" name="Picture 3"/>
+          <p:cNvPicPr>
+            <a:picLocks noChangeAspect="1"/>
+          </p:cNvPicPr>
+          <p:nvPr/>
+        </p:nvPicPr>
+        <p:blipFill>
+          <a:blip r:embed="rId2"/>
+          <a:stretch>
+            <a:fillRect/>
+          </a:stretch>
+        </p:blipFill>
+        <p:spPr>
+          <a:xfrm>
+            <a:off x="3587096" y="1509103"/>
+            <a:ext cx="4524375" cy="2733675"/>
+          </a:xfrm>
+          <a:prstGeom prst="rect">
+            <a:avLst/>
+          </a:prstGeom>
+        </p:spPr>
+      </p:pic>
+    </p:spTree>
+    <p:extLst>
+      <p:ext uri="{BB962C8B-B14F-4D97-AF65-F5344CB8AC3E}">
+        <p14:creationId xmlns:p14="http://schemas.microsoft.com/office/powerpoint/2010/main" val="1669737492"/>
+      </p:ext>
+    </p:extLst>
+  </p:cSld>
+  <p:clrMapOvr>
+    <a:masterClrMapping/>
+  </p:clrMapOvr>
+  <p:timing>
+    <p:tnLst>
+      <p:par>
+        <p:cTn id="1" dur="indefinite" restart="never" nodeType="tmRoot">
+          <p:childTnLst>
+            <p:seq concurrent="1" nextAc="seek">
+              <p:cTn id="2" dur="indefinite" nodeType="mainSeq">
+                <p:childTnLst>
+                  <p:par>
+                    <p:cTn id="3" fill="hold">
+                      <p:stCondLst>
+                        <p:cond delay="indefinite"/>
+                      </p:stCondLst>
+                      <p:childTnLst>
+                        <p:par>
+                          <p:cTn id="4" fill="hold">
+                            <p:stCondLst>
+                              <p:cond delay="0"/>
+                            </p:stCondLst>
+                            <p:childTnLst>
+                              <p:par>
+                                <p:cTn id="5" presetID="1" presetClass="entr" presetSubtype="0" fill="hold" nodeType="clickEffect">
+                                  <p:stCondLst>
+                                    <p:cond delay="0"/>
+                                  </p:stCondLst>
+                                  <p:childTnLst>
+                                    <p:set>
+                                      <p:cBhvr>
+                                        <p:cTn id="6" dur="1" fill="hold">
+                                          <p:stCondLst>
+                                            <p:cond delay="0"/>
+                                          </p:stCondLst>
+                                        </p:cTn>
+                                        <p:tgtEl>
+                                          <p:spTgt spid="3">
+                                            <p:txEl>
+                                              <p:pRg st="1" end="1"/>
+                                            </p:txEl>
+                                          </p:spTgt>
+                                        </p:tgtEl>
+                                        <p:attrNameLst>
+                                          <p:attrName>style.visibility</p:attrName>
+                                        </p:attrNameLst>
+                                      </p:cBhvr>
+                                      <p:to>
+                                        <p:strVal val="visible"/>
+                                      </p:to>
+                                    </p:set>
+                                  </p:childTnLst>
+                                </p:cTn>
+                              </p:par>
+                            </p:childTnLst>
+                          </p:cTn>
+                        </p:par>
+                      </p:childTnLst>
+                    </p:cTn>
+                  </p:par>
+                </p:childTnLst>
+              </p:cTn>
+              <p:prevCondLst>
+                <p:cond evt="onPrev" delay="0">
+                  <p:tgtEl>
+                    <p:sldTgt/>
+                  </p:tgtEl>
+                </p:cond>
+              </p:prevCondLst>
+              <p:nextCondLst>
+                <p:cond evt="onNext" delay="0">
+                  <p:tgtEl>
+                    <p:sldTgt/>
+                  </p:tgtEl>
+                </p:cond>
+              </p:nextCondLst>
+            </p:seq>
+          </p:childTnLst>
+        </p:cTn>
+      </p:par>
+    </p:tnLst>
+  </p:timing>
+</p:sld>
+</file>
+
+<file path=ppt/slides/slide31.xml><?xml version="1.0" encoding="utf-8"?>
+<p:sld xmlns:a="http://schemas.openxmlformats.org/drawingml/2006/main" xmlns:r="http://schemas.openxmlformats.org/officeDocument/2006/relationships" xmlns:p="http://schemas.openxmlformats.org/presentationml/2006/main">
+  <p:cSld>
+    <p:spTree>
+      <p:nvGrpSpPr>
+        <p:cNvPr id="1" name=""/>
+        <p:cNvGrpSpPr/>
+        <p:nvPr/>
+      </p:nvGrpSpPr>
+      <p:grpSpPr>
+        <a:xfrm>
+          <a:off x="0" y="0"/>
+          <a:ext cx="0" cy="0"/>
+          <a:chOff x="0" y="0"/>
+          <a:chExt cx="0" cy="0"/>
+        </a:xfrm>
+      </p:grpSpPr>
+      <p:sp>
+        <p:nvSpPr>
+          <p:cNvPr id="2" name="Title 1"/>
+          <p:cNvSpPr>
+            <a:spLocks noGrp="1"/>
+          </p:cNvSpPr>
+          <p:nvPr>
+            <p:ph type="title"/>
+          </p:nvPr>
+        </p:nvSpPr>
+        <p:spPr/>
+        <p:txBody>
+          <a:bodyPr/>
+          <a:lstStyle/>
+          <a:p>
+            <a:r>
+              <a:rPr lang="en-US" dirty="0" smtClean="0"/>
+              <a:t>Look at the mess you made!</a:t>
+            </a:r>
+            <a:endParaRPr lang="en-US" dirty="0"/>
+          </a:p>
+        </p:txBody>
+      </p:sp>
+      <p:sp>
+        <p:nvSpPr>
+          <p:cNvPr id="3" name="Content Placeholder 2"/>
+          <p:cNvSpPr>
+            <a:spLocks noGrp="1"/>
+          </p:cNvSpPr>
+          <p:nvPr>
+            <p:ph idx="1"/>
+          </p:nvPr>
+        </p:nvSpPr>
+        <p:spPr>
+          <a:xfrm>
+            <a:off x="2152650" y="1825625"/>
+            <a:ext cx="7886700" cy="4575175"/>
+          </a:xfrm>
+        </p:spPr>
+        <p:txBody>
+          <a:bodyPr>
+            <a:normAutofit fontScale="77500" lnSpcReduction="20000"/>
+          </a:bodyPr>
+          <a:lstStyle/>
+          <a:p>
+            <a:r>
+              <a:rPr lang="en-US" dirty="0" smtClean="0"/>
+              <a:t>You just made so many silly folders! It’s all your fault and you should feel ashamed!</a:t>
+            </a:r>
+            <a:endParaRPr lang="en-US" dirty="0" smtClean="0"/>
+          </a:p>
+          <a:p>
+            <a:endParaRPr lang="en-US" dirty="0"/>
+          </a:p>
+          <a:p>
+            <a:r>
+              <a:rPr lang="en-US" dirty="0" smtClean="0"/>
+              <a:t>Here is what an “ls” tells us is now in the directory:</a:t>
+            </a:r>
+          </a:p>
+          <a:p>
+            <a:endParaRPr lang="en-US" dirty="0"/>
+          </a:p>
+          <a:p>
+            <a:endParaRPr lang="en-US" dirty="0" smtClean="0"/>
+          </a:p>
+          <a:p>
+            <a:r>
+              <a:rPr lang="en-US" dirty="0" smtClean="0"/>
+              <a:t>If you do not have different colored highlighting, then the blue text denotes folders! Let’s see what’s in the folder, “</a:t>
+            </a:r>
+            <a:r>
+              <a:rPr lang="en-US" dirty="0" smtClean="0">
+                <a:solidFill>
+                  <a:srgbClr val="0070C0"/>
+                </a:solidFill>
+              </a:rPr>
+              <a:t>test1</a:t>
+            </a:r>
+            <a:r>
+              <a:rPr lang="en-US" dirty="0" smtClean="0"/>
+              <a:t>,” shall we? </a:t>
+            </a:r>
+          </a:p>
+          <a:p>
+            <a:endParaRPr lang="en-US" dirty="0"/>
+          </a:p>
+          <a:p>
+            <a:endParaRPr lang="en-US" dirty="0" smtClean="0"/>
+          </a:p>
+          <a:p>
+            <a:r>
+              <a:rPr lang="en-US" dirty="0" smtClean="0"/>
+              <a:t>Gulp! This got more complex! Within each folder there are 10 sub folders! It’ll take us ages to see what’s in each folder!! What ever will we do?</a:t>
+            </a:r>
+            <a:endParaRPr lang="en-US" dirty="0"/>
+          </a:p>
+        </p:txBody>
+      </p:sp>
+      <p:pic>
+        <p:nvPicPr>
+          <p:cNvPr id="4" name="Picture 3"/>
+          <p:cNvPicPr>
+            <a:picLocks noChangeAspect="1"/>
+          </p:cNvPicPr>
+          <p:nvPr/>
+        </p:nvPicPr>
+        <p:blipFill>
+          <a:blip r:embed="rId2"/>
+          <a:stretch>
+            <a:fillRect/>
+          </a:stretch>
+        </p:blipFill>
+        <p:spPr>
+          <a:xfrm>
+            <a:off x="1772129" y="3186657"/>
+            <a:ext cx="8484809" cy="386031"/>
+          </a:xfrm>
+          <a:prstGeom prst="rect">
+            <a:avLst/>
+          </a:prstGeom>
+        </p:spPr>
+      </p:pic>
+      <p:pic>
+        <p:nvPicPr>
+          <p:cNvPr id="5" name="Picture 4"/>
+          <p:cNvPicPr>
+            <a:picLocks noChangeAspect="1"/>
+          </p:cNvPicPr>
+          <p:nvPr/>
+        </p:nvPicPr>
+        <p:blipFill>
+          <a:blip r:embed="rId3"/>
+          <a:stretch>
+            <a:fillRect/>
+          </a:stretch>
+        </p:blipFill>
+        <p:spPr>
+          <a:xfrm>
+            <a:off x="2405062" y="4781956"/>
+            <a:ext cx="7381875" cy="409575"/>
+          </a:xfrm>
+          <a:prstGeom prst="rect">
+            <a:avLst/>
+          </a:prstGeom>
+        </p:spPr>
+      </p:pic>
+    </p:spTree>
+    <p:extLst>
+      <p:ext uri="{BB962C8B-B14F-4D97-AF65-F5344CB8AC3E}">
+        <p14:creationId xmlns:p14="http://schemas.microsoft.com/office/powerpoint/2010/main" val="2350525507"/>
+      </p:ext>
+    </p:extLst>
+  </p:cSld>
+  <p:clrMapOvr>
+    <a:masterClrMapping/>
+  </p:clrMapOvr>
+  <p:timing>
+    <p:tnLst>
+      <p:par>
+        <p:cTn id="1" dur="indefinite" restart="never" nodeType="tmRoot">
+          <p:childTnLst>
+            <p:seq concurrent="1" nextAc="seek">
+              <p:cTn id="2" dur="indefinite" nodeType="mainSeq">
+                <p:childTnLst>
+                  <p:par>
+                    <p:cTn id="3" fill="hold">
+                      <p:stCondLst>
+                        <p:cond delay="indefinite"/>
+                      </p:stCondLst>
+                      <p:childTnLst>
+                        <p:par>
+                          <p:cTn id="4" fill="hold">
+                            <p:stCondLst>
+                              <p:cond delay="0"/>
+                            </p:stCondLst>
+                            <p:childTnLst>
+                              <p:par>
+                                <p:cTn id="5" presetID="1" presetClass="entr" presetSubtype="0" fill="hold" nodeType="clickEffect">
+                                  <p:stCondLst>
+                                    <p:cond delay="0"/>
+                                  </p:stCondLst>
+                                  <p:childTnLst>
+                                    <p:set>
+                                      <p:cBhvr>
+                                        <p:cTn id="6" dur="1" fill="hold">
+                                          <p:stCondLst>
+                                            <p:cond delay="0"/>
+                                          </p:stCondLst>
+                                        </p:cTn>
+                                        <p:tgtEl>
+                                          <p:spTgt spid="3">
+                                            <p:txEl>
+                                              <p:pRg st="5" end="5"/>
+                                            </p:txEl>
+                                          </p:spTgt>
+                                        </p:tgtEl>
+                                        <p:attrNameLst>
+                                          <p:attrName>style.visibility</p:attrName>
+                                        </p:attrNameLst>
+                                      </p:cBhvr>
+                                      <p:to>
+                                        <p:strVal val="visible"/>
+                                      </p:to>
+                                    </p:set>
+                                  </p:childTnLst>
+                                </p:cTn>
+                              </p:par>
+                            </p:childTnLst>
+                          </p:cTn>
+                        </p:par>
+                      </p:childTnLst>
+                    </p:cTn>
+                  </p:par>
+                  <p:par>
+                    <p:cTn id="7" fill="hold">
+                      <p:stCondLst>
+                        <p:cond delay="indefinite"/>
+                      </p:stCondLst>
+                      <p:childTnLst>
+                        <p:par>
+                          <p:cTn id="8" fill="hold">
+                            <p:stCondLst>
+                              <p:cond delay="0"/>
+                            </p:stCondLst>
+                            <p:childTnLst>
+                              <p:par>
+                                <p:cTn id="9" presetID="1" presetClass="entr" presetSubtype="0" fill="hold" nodeType="clickEffect">
+                                  <p:stCondLst>
+                                    <p:cond delay="0"/>
+                                  </p:stCondLst>
+                                  <p:childTnLst>
+                                    <p:set>
+                                      <p:cBhvr>
+                                        <p:cTn id="10" dur="1" fill="hold">
+                                          <p:stCondLst>
+                                            <p:cond delay="0"/>
+                                          </p:stCondLst>
+                                        </p:cTn>
+                                        <p:tgtEl>
+                                          <p:spTgt spid="5"/>
+                                        </p:tgtEl>
+                                        <p:attrNameLst>
+                                          <p:attrName>style.visibility</p:attrName>
+                                        </p:attrNameLst>
+                                      </p:cBhvr>
+                                      <p:to>
+                                        <p:strVal val="visible"/>
+                                      </p:to>
+                                    </p:set>
+                                  </p:childTnLst>
+                                </p:cTn>
+                              </p:par>
+                              <p:par>
+                                <p:cTn id="11" presetID="1" presetClass="entr" presetSubtype="0" fill="hold" nodeType="withEffect">
+                                  <p:stCondLst>
+                                    <p:cond delay="0"/>
+                                  </p:stCondLst>
+                                  <p:childTnLst>
+                                    <p:set>
+                                      <p:cBhvr>
+                                        <p:cTn id="12" dur="1" fill="hold">
+                                          <p:stCondLst>
+                                            <p:cond delay="0"/>
+                                          </p:stCondLst>
+                                        </p:cTn>
+                                        <p:tgtEl>
+                                          <p:spTgt spid="3">
+                                            <p:txEl>
+                                              <p:pRg st="8" end="8"/>
+                                            </p:txEl>
+                                          </p:spTgt>
+                                        </p:tgtEl>
+                                        <p:attrNameLst>
+                                          <p:attrName>style.visibility</p:attrName>
+                                        </p:attrNameLst>
+                                      </p:cBhvr>
+                                      <p:to>
+                                        <p:strVal val="visible"/>
+                                      </p:to>
+                                    </p:set>
+                                  </p:childTnLst>
+                                </p:cTn>
+                              </p:par>
+                            </p:childTnLst>
+                          </p:cTn>
+                        </p:par>
+                      </p:childTnLst>
+                    </p:cTn>
+                  </p:par>
+                </p:childTnLst>
+              </p:cTn>
+              <p:prevCondLst>
+                <p:cond evt="onPrev" delay="0">
+                  <p:tgtEl>
+                    <p:sldTgt/>
+                  </p:tgtEl>
+                </p:cond>
+              </p:prevCondLst>
+              <p:nextCondLst>
+                <p:cond evt="onNext" delay="0">
+                  <p:tgtEl>
+                    <p:sldTgt/>
+                  </p:tgtEl>
+                </p:cond>
+              </p:nextCondLst>
+            </p:seq>
+          </p:childTnLst>
+        </p:cTn>
+      </p:par>
+    </p:tnLst>
+  </p:timing>
+</p:sld>
+</file>
+
+<file path=ppt/slides/slide32.xml><?xml version="1.0" encoding="utf-8"?>
+<p:sld xmlns:a="http://schemas.openxmlformats.org/drawingml/2006/main" xmlns:r="http://schemas.openxmlformats.org/officeDocument/2006/relationships" xmlns:p="http://schemas.openxmlformats.org/presentationml/2006/main">
+  <p:cSld>
+    <p:spTree>
+      <p:nvGrpSpPr>
+        <p:cNvPr id="1" name=""/>
+        <p:cNvGrpSpPr/>
+        <p:nvPr/>
+      </p:nvGrpSpPr>
+      <p:grpSpPr>
+        <a:xfrm>
+          <a:off x="0" y="0"/>
+          <a:ext cx="0" cy="0"/>
+          <a:chOff x="0" y="0"/>
+          <a:chExt cx="0" cy="0"/>
+        </a:xfrm>
+      </p:grpSpPr>
+      <p:sp>
+        <p:nvSpPr>
+          <p:cNvPr id="2" name="Title 1"/>
+          <p:cNvSpPr>
+            <a:spLocks noGrp="1"/>
+          </p:cNvSpPr>
+          <p:nvPr>
+            <p:ph type="title"/>
+          </p:nvPr>
+        </p:nvSpPr>
+        <p:spPr/>
+        <p:txBody>
+          <a:bodyPr/>
+          <a:lstStyle/>
+          <a:p>
+            <a:r>
+              <a:rPr lang="en-US" dirty="0" smtClean="0"/>
+              <a:t>Wildcard selection!</a:t>
+            </a:r>
+            <a:endParaRPr lang="en-US" dirty="0"/>
+          </a:p>
+        </p:txBody>
+      </p:sp>
+      <p:sp>
+        <p:nvSpPr>
+          <p:cNvPr id="3" name="Content Placeholder 2"/>
+          <p:cNvSpPr>
+            <a:spLocks noGrp="1"/>
+          </p:cNvSpPr>
+          <p:nvPr>
+            <p:ph idx="1"/>
+          </p:nvPr>
+        </p:nvSpPr>
+        <p:spPr>
+          <a:xfrm>
+            <a:off x="2085538" y="1546227"/>
+            <a:ext cx="7886700" cy="4351338"/>
+          </a:xfrm>
+        </p:spPr>
+        <p:txBody>
+          <a:bodyPr>
+            <a:normAutofit fontScale="92500" lnSpcReduction="20000"/>
+          </a:bodyPr>
+          <a:lstStyle/>
+          <a:p>
+            <a:r>
+              <a:rPr lang="en-US" dirty="0" smtClean="0"/>
+              <a:t>Good thing for us, </a:t>
+            </a:r>
+            <a:r>
+              <a:rPr lang="en-US" dirty="0" err="1" smtClean="0"/>
+              <a:t>unix</a:t>
+            </a:r>
+            <a:r>
+              <a:rPr lang="en-US" dirty="0" smtClean="0"/>
+              <a:t> has commands that allow us to select multiple files all at once! It’s context sensitive too. You could select all files that contain an “a” followed by five letters, or all files that end in “.txt”.</a:t>
+            </a:r>
+          </a:p>
+          <a:p>
+            <a:endParaRPr lang="en-US" dirty="0"/>
+          </a:p>
+          <a:p>
+            <a:r>
+              <a:rPr lang="en-US" dirty="0" smtClean="0"/>
+              <a:t>In order to select a file that has a (or multiple) variable character(s), use the question mark (“</a:t>
+            </a:r>
+            <a:r>
+              <a:rPr lang="en-US" dirty="0" smtClean="0">
+                <a:solidFill>
+                  <a:srgbClr val="FF0000"/>
+                </a:solidFill>
+              </a:rPr>
+              <a:t>?</a:t>
+            </a:r>
+            <a:r>
+              <a:rPr lang="en-US" dirty="0" smtClean="0"/>
+              <a:t>”). For a large number of variable characters in a row, use the asterisk (“</a:t>
+            </a:r>
+            <a:r>
+              <a:rPr lang="en-US" dirty="0" smtClean="0">
+                <a:solidFill>
+                  <a:srgbClr val="FF0000"/>
+                </a:solidFill>
+              </a:rPr>
+              <a:t>*</a:t>
+            </a:r>
+            <a:r>
+              <a:rPr lang="en-US" dirty="0" smtClean="0"/>
+              <a:t>”).  For a set “range” of characters, you can use square brackets (“</a:t>
+            </a:r>
+            <a:r>
+              <a:rPr lang="en-US" dirty="0" smtClean="0">
+                <a:solidFill>
+                  <a:srgbClr val="FF0000"/>
+                </a:solidFill>
+              </a:rPr>
+              <a:t>[]</a:t>
+            </a:r>
+            <a:r>
+              <a:rPr lang="en-US" dirty="0" smtClean="0"/>
+              <a:t>”)</a:t>
+            </a:r>
+          </a:p>
+          <a:p>
+            <a:endParaRPr lang="en-US" dirty="0"/>
+          </a:p>
+          <a:p>
+            <a:r>
+              <a:rPr lang="en-US" dirty="0" smtClean="0"/>
+              <a:t>Let’s test this out on your new subfolders. Use an “ls” to select all subfolders using the following commands: </a:t>
+            </a:r>
+            <a:endParaRPr lang="en-US" dirty="0"/>
+          </a:p>
+        </p:txBody>
+      </p:sp>
+      <p:pic>
+        <p:nvPicPr>
+          <p:cNvPr id="4" name="Picture 3"/>
+          <p:cNvPicPr>
+            <a:picLocks noChangeAspect="1"/>
+          </p:cNvPicPr>
+          <p:nvPr/>
+        </p:nvPicPr>
+        <p:blipFill>
+          <a:blip r:embed="rId2"/>
+          <a:stretch>
+            <a:fillRect/>
+          </a:stretch>
+        </p:blipFill>
+        <p:spPr>
+          <a:xfrm>
+            <a:off x="5158308" y="5703341"/>
+            <a:ext cx="1304925" cy="304800"/>
+          </a:xfrm>
+          <a:prstGeom prst="rect">
+            <a:avLst/>
+          </a:prstGeom>
+        </p:spPr>
+      </p:pic>
+      <p:pic>
+        <p:nvPicPr>
+          <p:cNvPr id="5" name="Picture 4"/>
+          <p:cNvPicPr>
+            <a:picLocks noChangeAspect="1"/>
+          </p:cNvPicPr>
+          <p:nvPr/>
+        </p:nvPicPr>
+        <p:blipFill>
+          <a:blip r:embed="rId3"/>
+          <a:stretch>
+            <a:fillRect/>
+          </a:stretch>
+        </p:blipFill>
+        <p:spPr>
+          <a:xfrm>
+            <a:off x="5405957" y="6099422"/>
+            <a:ext cx="809625" cy="257175"/>
+          </a:xfrm>
+          <a:prstGeom prst="rect">
+            <a:avLst/>
+          </a:prstGeom>
+        </p:spPr>
+      </p:pic>
+      <p:pic>
+        <p:nvPicPr>
+          <p:cNvPr id="7" name="Picture 6"/>
+          <p:cNvPicPr>
+            <a:picLocks noChangeAspect="1"/>
+          </p:cNvPicPr>
+          <p:nvPr/>
+        </p:nvPicPr>
+        <p:blipFill>
+          <a:blip r:embed="rId4"/>
+          <a:stretch>
+            <a:fillRect/>
+          </a:stretch>
+        </p:blipFill>
+        <p:spPr>
+          <a:xfrm>
+            <a:off x="4997960" y="6459786"/>
+            <a:ext cx="1743075" cy="314325"/>
+          </a:xfrm>
+          <a:prstGeom prst="rect">
+            <a:avLst/>
+          </a:prstGeom>
+        </p:spPr>
+      </p:pic>
+    </p:spTree>
+    <p:extLst>
+      <p:ext uri="{BB962C8B-B14F-4D97-AF65-F5344CB8AC3E}">
+        <p14:creationId xmlns:p14="http://schemas.microsoft.com/office/powerpoint/2010/main" val="2129081899"/>
+      </p:ext>
+    </p:extLst>
+  </p:cSld>
+  <p:clrMapOvr>
+    <a:masterClrMapping/>
+  </p:clrMapOvr>
+  <p:timing>
+    <p:tnLst>
+      <p:par>
+        <p:cTn id="1" dur="indefinite" restart="never" nodeType="tmRoot">
+          <p:childTnLst>
+            <p:seq concurrent="1" nextAc="seek">
+              <p:cTn id="2" dur="indefinite" nodeType="mainSeq">
+                <p:childTnLst>
+                  <p:par>
+                    <p:cTn id="3" fill="hold">
+                      <p:stCondLst>
+                        <p:cond delay="indefinite"/>
+                      </p:stCondLst>
+                      <p:childTnLst>
+                        <p:par>
+                          <p:cTn id="4" fill="hold">
+                            <p:stCondLst>
+                              <p:cond delay="0"/>
+                            </p:stCondLst>
+                            <p:childTnLst>
+                              <p:par>
+                                <p:cTn id="5" presetID="1" presetClass="entr" presetSubtype="0" fill="hold" nodeType="clickEffect">
+                                  <p:stCondLst>
+                                    <p:cond delay="0"/>
+                                  </p:stCondLst>
+                                  <p:childTnLst>
+                                    <p:set>
+                                      <p:cBhvr>
+                                        <p:cTn id="6" dur="1" fill="hold">
+                                          <p:stCondLst>
+                                            <p:cond delay="0"/>
+                                          </p:stCondLst>
+                                        </p:cTn>
+                                        <p:tgtEl>
+                                          <p:spTgt spid="3">
+                                            <p:txEl>
+                                              <p:pRg st="2" end="2"/>
+                                            </p:txEl>
+                                          </p:spTgt>
+                                        </p:tgtEl>
+                                        <p:attrNameLst>
+                                          <p:attrName>style.visibility</p:attrName>
+                                        </p:attrNameLst>
+                                      </p:cBhvr>
+                                      <p:to>
+                                        <p:strVal val="visible"/>
+                                      </p:to>
+                                    </p:set>
+                                  </p:childTnLst>
+                                </p:cTn>
+                              </p:par>
+                              <p:par>
+                                <p:cTn id="7" presetID="1" presetClass="entr" presetSubtype="0" fill="hold" nodeType="withEffect">
+                                  <p:stCondLst>
+                                    <p:cond delay="0"/>
+                                  </p:stCondLst>
+                                  <p:childTnLst>
+                                    <p:set>
+                                      <p:cBhvr>
+                                        <p:cTn id="8" dur="1" fill="hold">
+                                          <p:stCondLst>
+                                            <p:cond delay="0"/>
+                                          </p:stCondLst>
+                                        </p:cTn>
+                                        <p:tgtEl>
+                                          <p:spTgt spid="3">
+                                            <p:txEl>
+                                              <p:pRg st="4" end="4"/>
+                                            </p:txEl>
+                                          </p:spTgt>
+                                        </p:tgtEl>
+                                        <p:attrNameLst>
+                                          <p:attrName>style.visibility</p:attrName>
+                                        </p:attrNameLst>
+                                      </p:cBhvr>
+                                      <p:to>
+                                        <p:strVal val="visible"/>
+                                      </p:to>
+                                    </p:set>
+                                  </p:childTnLst>
+                                </p:cTn>
+                              </p:par>
+                            </p:childTnLst>
+                          </p:cTn>
+                        </p:par>
+                      </p:childTnLst>
+                    </p:cTn>
+                  </p:par>
+                  <p:par>
+                    <p:cTn id="9" fill="hold">
+                      <p:stCondLst>
+                        <p:cond delay="indefinite"/>
+                      </p:stCondLst>
+                      <p:childTnLst>
+                        <p:par>
+                          <p:cTn id="10" fill="hold">
+                            <p:stCondLst>
+                              <p:cond delay="0"/>
+                            </p:stCondLst>
+                            <p:childTnLst>
+                              <p:par>
+                                <p:cTn id="11" presetID="1" presetClass="entr" presetSubtype="0" fill="hold" nodeType="clickEffect">
+                                  <p:stCondLst>
+                                    <p:cond delay="0"/>
+                                  </p:stCondLst>
+                                  <p:childTnLst>
+                                    <p:set>
+                                      <p:cBhvr>
+                                        <p:cTn id="12" dur="1" fill="hold">
+                                          <p:stCondLst>
+                                            <p:cond delay="0"/>
+                                          </p:stCondLst>
+                                        </p:cTn>
+                                        <p:tgtEl>
+                                          <p:spTgt spid="4"/>
+                                        </p:tgtEl>
+                                        <p:attrNameLst>
+                                          <p:attrName>style.visibility</p:attrName>
+                                        </p:attrNameLst>
+                                      </p:cBhvr>
+                                      <p:to>
+                                        <p:strVal val="visible"/>
+                                      </p:to>
+                                    </p:set>
+                                  </p:childTnLst>
+                                </p:cTn>
+                              </p:par>
+                            </p:childTnLst>
+                          </p:cTn>
+                        </p:par>
+                      </p:childTnLst>
+                    </p:cTn>
+                  </p:par>
+                  <p:par>
+                    <p:cTn id="13" fill="hold">
+                      <p:stCondLst>
+                        <p:cond delay="indefinite"/>
+                      </p:stCondLst>
+                      <p:childTnLst>
+                        <p:par>
+                          <p:cTn id="14" fill="hold">
+                            <p:stCondLst>
+                              <p:cond delay="0"/>
+                            </p:stCondLst>
+                            <p:childTnLst>
+                              <p:par>
+                                <p:cTn id="15" presetID="1" presetClass="entr" presetSubtype="0" fill="hold" nodeType="clickEffect">
+                                  <p:stCondLst>
+                                    <p:cond delay="0"/>
+                                  </p:stCondLst>
+                                  <p:childTnLst>
+                                    <p:set>
+                                      <p:cBhvr>
+                                        <p:cTn id="16" dur="1" fill="hold">
+                                          <p:stCondLst>
+                                            <p:cond delay="0"/>
+                                          </p:stCondLst>
+                                        </p:cTn>
+                                        <p:tgtEl>
+                                          <p:spTgt spid="5"/>
+                                        </p:tgtEl>
+                                        <p:attrNameLst>
+                                          <p:attrName>style.visibility</p:attrName>
+                                        </p:attrNameLst>
+                                      </p:cBhvr>
+                                      <p:to>
+                                        <p:strVal val="visible"/>
+                                      </p:to>
+                                    </p:set>
+                                  </p:childTnLst>
+                                </p:cTn>
+                              </p:par>
+                            </p:childTnLst>
+                          </p:cTn>
+                        </p:par>
+                      </p:childTnLst>
+                    </p:cTn>
+                  </p:par>
+                  <p:par>
+                    <p:cTn id="17" fill="hold">
+                      <p:stCondLst>
+                        <p:cond delay="indefinite"/>
+                      </p:stCondLst>
+                      <p:childTnLst>
+                        <p:par>
+                          <p:cTn id="18" fill="hold">
+                            <p:stCondLst>
+                              <p:cond delay="0"/>
+                            </p:stCondLst>
+                            <p:childTnLst>
+                              <p:par>
+                                <p:cTn id="19" presetID="1" presetClass="entr" presetSubtype="0" fill="hold" nodeType="clickEffect">
+                                  <p:stCondLst>
+                                    <p:cond delay="0"/>
+                                  </p:stCondLst>
+                                  <p:childTnLst>
+                                    <p:set>
+                                      <p:cBhvr>
+                                        <p:cTn id="20" dur="1" fill="hold">
+                                          <p:stCondLst>
+                                            <p:cond delay="0"/>
+                                          </p:stCondLst>
+                                        </p:cTn>
+                                        <p:tgtEl>
+                                          <p:spTgt spid="7"/>
+                                        </p:tgtEl>
+                                        <p:attrNameLst>
+                                          <p:attrName>style.visibility</p:attrName>
+                                        </p:attrNameLst>
+                                      </p:cBhvr>
+                                      <p:to>
+                                        <p:strVal val="visible"/>
+                                      </p:to>
+                                    </p:set>
+                                  </p:childTnLst>
+                                </p:cTn>
+                              </p:par>
+                            </p:childTnLst>
+                          </p:cTn>
+                        </p:par>
+                      </p:childTnLst>
+                    </p:cTn>
+                  </p:par>
+                </p:childTnLst>
+              </p:cTn>
+              <p:prevCondLst>
+                <p:cond evt="onPrev" delay="0">
+                  <p:tgtEl>
+                    <p:sldTgt/>
+                  </p:tgtEl>
+                </p:cond>
+              </p:prevCondLst>
+              <p:nextCondLst>
+                <p:cond evt="onNext" delay="0">
+                  <p:tgtEl>
+                    <p:sldTgt/>
+                  </p:tgtEl>
+                </p:cond>
+              </p:nextCondLst>
+            </p:seq>
+          </p:childTnLst>
+        </p:cTn>
+      </p:par>
+    </p:tnLst>
+  </p:timing>
+</p:sld>
+</file>
+
+<file path=ppt/slides/slide33.xml><?xml version="1.0" encoding="utf-8"?>
+<p:sld xmlns:a="http://schemas.openxmlformats.org/drawingml/2006/main" xmlns:r="http://schemas.openxmlformats.org/officeDocument/2006/relationships" xmlns:p="http://schemas.openxmlformats.org/presentationml/2006/main">
+  <p:cSld>
+    <p:spTree>
+      <p:nvGrpSpPr>
+        <p:cNvPr id="1" name=""/>
+        <p:cNvGrpSpPr/>
+        <p:nvPr/>
+      </p:nvGrpSpPr>
+      <p:grpSpPr>
+        <a:xfrm>
+          <a:off x="0" y="0"/>
+          <a:ext cx="0" cy="0"/>
+          <a:chOff x="0" y="0"/>
+          <a:chExt cx="0" cy="0"/>
+        </a:xfrm>
+      </p:grpSpPr>
+      <p:sp>
+        <p:nvSpPr>
+          <p:cNvPr id="2" name="Title 1"/>
+          <p:cNvSpPr>
+            <a:spLocks noGrp="1"/>
+          </p:cNvSpPr>
+          <p:nvPr>
+            <p:ph type="title"/>
+          </p:nvPr>
+        </p:nvSpPr>
+        <p:spPr/>
+        <p:txBody>
+          <a:bodyPr/>
+          <a:lstStyle/>
+          <a:p>
+            <a:r>
+              <a:rPr lang="en-US" dirty="0" smtClean="0"/>
+              <a:t>Wildcards as a word puzzle</a:t>
+            </a:r>
+            <a:endParaRPr lang="en-US" dirty="0"/>
+          </a:p>
+        </p:txBody>
+      </p:sp>
+      <p:sp>
+        <p:nvSpPr>
+          <p:cNvPr id="3" name="Content Placeholder 2"/>
+          <p:cNvSpPr>
+            <a:spLocks noGrp="1"/>
+          </p:cNvSpPr>
+          <p:nvPr>
+            <p:ph idx="1"/>
+          </p:nvPr>
+        </p:nvSpPr>
+        <p:spPr/>
+        <p:txBody>
+          <a:bodyPr/>
+          <a:lstStyle/>
+          <a:p>
+            <a:r>
+              <a:rPr lang="en-US" dirty="0" smtClean="0"/>
+              <a:t>Use them to automate analysis or to “group select” a bunch of files. You  can use the context of the words in your search to make your grouping more specific or less specific.</a:t>
+            </a:r>
+          </a:p>
+          <a:p>
+            <a:endParaRPr lang="en-US" dirty="0"/>
+          </a:p>
+          <a:p>
+            <a:r>
+              <a:rPr lang="en-US" dirty="0" smtClean="0"/>
+              <a:t>Try this command and let’s talk about the nuances:</a:t>
+            </a:r>
+          </a:p>
+          <a:p>
+            <a:endParaRPr lang="en-US" dirty="0"/>
+          </a:p>
+          <a:p>
+            <a:r>
+              <a:rPr lang="en-US" dirty="0" smtClean="0"/>
+              <a:t>Now try the following three commands and tell me which one is not like the others:</a:t>
+            </a:r>
+          </a:p>
+        </p:txBody>
+      </p:sp>
+      <p:pic>
+        <p:nvPicPr>
+          <p:cNvPr id="4" name="Picture 3"/>
+          <p:cNvPicPr>
+            <a:picLocks noChangeAspect="1"/>
+          </p:cNvPicPr>
+          <p:nvPr/>
+        </p:nvPicPr>
+        <p:blipFill>
+          <a:blip r:embed="rId2"/>
+          <a:stretch>
+            <a:fillRect/>
+          </a:stretch>
+        </p:blipFill>
+        <p:spPr>
+          <a:xfrm>
+            <a:off x="4805973" y="4102743"/>
+            <a:ext cx="1409700" cy="238125"/>
+          </a:xfrm>
+          <a:prstGeom prst="rect">
+            <a:avLst/>
+          </a:prstGeom>
+        </p:spPr>
+      </p:pic>
+      <p:grpSp>
+        <p:nvGrpSpPr>
+          <p:cNvPr id="11" name="Group 10"/>
+          <p:cNvGrpSpPr/>
+          <p:nvPr/>
+        </p:nvGrpSpPr>
+        <p:grpSpPr>
+          <a:xfrm>
+            <a:off x="3814195" y="5284291"/>
+            <a:ext cx="3140496" cy="1333695"/>
+            <a:chOff x="2214694" y="4733729"/>
+            <a:chExt cx="3140496" cy="1333695"/>
+          </a:xfrm>
+        </p:grpSpPr>
+        <p:pic>
+          <p:nvPicPr>
+            <p:cNvPr id="5" name="Picture 4"/>
+            <p:cNvPicPr>
+              <a:picLocks noChangeAspect="1"/>
+            </p:cNvPicPr>
+            <p:nvPr/>
+          </p:nvPicPr>
+          <p:blipFill>
+            <a:blip r:embed="rId3"/>
+            <a:stretch>
+              <a:fillRect/>
+            </a:stretch>
+          </p:blipFill>
+          <p:spPr>
+            <a:xfrm>
+              <a:off x="3154041" y="4780283"/>
+              <a:ext cx="1866900" cy="276225"/>
+            </a:xfrm>
+            <a:prstGeom prst="rect">
+              <a:avLst/>
+            </a:prstGeom>
+          </p:spPr>
+        </p:pic>
+        <p:pic>
+          <p:nvPicPr>
+            <p:cNvPr id="6" name="Picture 5"/>
+            <p:cNvPicPr>
+              <a:picLocks noChangeAspect="1"/>
+            </p:cNvPicPr>
+            <p:nvPr/>
+          </p:nvPicPr>
+          <p:blipFill>
+            <a:blip r:embed="rId4"/>
+            <a:stretch>
+              <a:fillRect/>
+            </a:stretch>
+          </p:blipFill>
+          <p:spPr>
+            <a:xfrm>
+              <a:off x="3154041" y="5230973"/>
+              <a:ext cx="1838325" cy="257175"/>
+            </a:xfrm>
+            <a:prstGeom prst="rect">
+              <a:avLst/>
+            </a:prstGeom>
+          </p:spPr>
+        </p:pic>
+        <p:pic>
+          <p:nvPicPr>
+            <p:cNvPr id="7" name="Picture 6"/>
+            <p:cNvPicPr>
+              <a:picLocks noChangeAspect="1"/>
+            </p:cNvPicPr>
+            <p:nvPr/>
+          </p:nvPicPr>
+          <p:blipFill>
+            <a:blip r:embed="rId5"/>
+            <a:stretch>
+              <a:fillRect/>
+            </a:stretch>
+          </p:blipFill>
+          <p:spPr>
+            <a:xfrm>
+              <a:off x="2983465" y="5734049"/>
+              <a:ext cx="2371725" cy="333375"/>
+            </a:xfrm>
+            <a:prstGeom prst="rect">
+              <a:avLst/>
+            </a:prstGeom>
+          </p:spPr>
+        </p:pic>
+        <p:sp>
+          <p:nvSpPr>
+            <p:cNvPr id="8" name="TextBox 7"/>
+            <p:cNvSpPr txBox="1"/>
+            <p:nvPr/>
+          </p:nvSpPr>
+          <p:spPr>
+            <a:xfrm>
+              <a:off x="2214694" y="4733729"/>
+              <a:ext cx="376770" cy="369332"/>
+            </a:xfrm>
+            <a:prstGeom prst="rect">
+              <a:avLst/>
+            </a:prstGeom>
+            <a:noFill/>
+          </p:spPr>
+          <p:txBody>
+            <a:bodyPr wrap="none" rtlCol="0">
+              <a:spAutoFit/>
+            </a:bodyPr>
+            <a:lstStyle/>
+            <a:p>
+              <a:r>
+                <a:rPr lang="en-US" dirty="0"/>
+                <a:t>A.</a:t>
+              </a:r>
+            </a:p>
+          </p:txBody>
+        </p:sp>
+        <p:sp>
+          <p:nvSpPr>
+            <p:cNvPr id="9" name="TextBox 8"/>
+            <p:cNvSpPr txBox="1"/>
+            <p:nvPr/>
+          </p:nvSpPr>
+          <p:spPr>
+            <a:xfrm>
+              <a:off x="2224056" y="5174894"/>
+              <a:ext cx="367408" cy="369332"/>
+            </a:xfrm>
+            <a:prstGeom prst="rect">
+              <a:avLst/>
+            </a:prstGeom>
+            <a:noFill/>
+          </p:spPr>
+          <p:txBody>
+            <a:bodyPr wrap="none" rtlCol="0">
+              <a:spAutoFit/>
+            </a:bodyPr>
+            <a:lstStyle/>
+            <a:p>
+              <a:r>
+                <a:rPr lang="en-US" dirty="0"/>
+                <a:t>B.</a:t>
+              </a:r>
+            </a:p>
+          </p:txBody>
+        </p:sp>
+        <p:sp>
+          <p:nvSpPr>
+            <p:cNvPr id="10" name="TextBox 9"/>
+            <p:cNvSpPr txBox="1"/>
+            <p:nvPr/>
+          </p:nvSpPr>
+          <p:spPr>
+            <a:xfrm>
+              <a:off x="2225658" y="5698092"/>
+              <a:ext cx="365806" cy="369332"/>
+            </a:xfrm>
+            <a:prstGeom prst="rect">
+              <a:avLst/>
+            </a:prstGeom>
+            <a:noFill/>
+          </p:spPr>
+          <p:txBody>
+            <a:bodyPr wrap="none" rtlCol="0">
+              <a:spAutoFit/>
+            </a:bodyPr>
+            <a:lstStyle/>
+            <a:p>
+              <a:r>
+                <a:rPr lang="en-US" dirty="0"/>
+                <a:t>C.</a:t>
+              </a:r>
+            </a:p>
+          </p:txBody>
+        </p:sp>
+      </p:grpSp>
+    </p:spTree>
+    <p:extLst>
+      <p:ext uri="{BB962C8B-B14F-4D97-AF65-F5344CB8AC3E}">
+        <p14:creationId xmlns:p14="http://schemas.microsoft.com/office/powerpoint/2010/main" val="3410366350"/>
+      </p:ext>
+    </p:extLst>
+  </p:cSld>
+  <p:clrMapOvr>
+    <a:masterClrMapping/>
+  </p:clrMapOvr>
+  <p:timing>
+    <p:tnLst>
+      <p:par>
+        <p:cTn id="1" dur="indefinite" restart="never" nodeType="tmRoot">
+          <p:childTnLst>
+            <p:seq concurrent="1" nextAc="seek">
+              <p:cTn id="2" dur="indefinite" nodeType="mainSeq">
+                <p:childTnLst>
+                  <p:par>
+                    <p:cTn id="3" fill="hold">
+                      <p:stCondLst>
+                        <p:cond delay="indefinite"/>
+                      </p:stCondLst>
+                      <p:childTnLst>
+                        <p:par>
+                          <p:cTn id="4" fill="hold">
+                            <p:stCondLst>
+                              <p:cond delay="0"/>
+                            </p:stCondLst>
+                            <p:childTnLst>
+                              <p:par>
+                                <p:cTn id="5" presetID="1" presetClass="entr" presetSubtype="0" fill="hold" nodeType="clickEffect">
+                                  <p:stCondLst>
+                                    <p:cond delay="0"/>
+                                  </p:stCondLst>
+                                  <p:childTnLst>
+                                    <p:set>
+                                      <p:cBhvr>
+                                        <p:cTn id="6" dur="1" fill="hold">
+                                          <p:stCondLst>
+                                            <p:cond delay="0"/>
+                                          </p:stCondLst>
+                                        </p:cTn>
+                                        <p:tgtEl>
+                                          <p:spTgt spid="3">
+                                            <p:txEl>
+                                              <p:pRg st="4" end="4"/>
+                                            </p:txEl>
+                                          </p:spTgt>
+                                        </p:tgtEl>
+                                        <p:attrNameLst>
+                                          <p:attrName>style.visibility</p:attrName>
+                                        </p:attrNameLst>
+                                      </p:cBhvr>
+                                      <p:to>
+                                        <p:strVal val="visible"/>
+                                      </p:to>
+                                    </p:set>
+                                  </p:childTnLst>
+                                </p:cTn>
+                              </p:par>
+                              <p:par>
+                                <p:cTn id="7" presetID="1" presetClass="entr" presetSubtype="0" fill="hold" nodeType="withEffect">
+                                  <p:stCondLst>
+                                    <p:cond delay="0"/>
+                                  </p:stCondLst>
+                                  <p:childTnLst>
+                                    <p:set>
+                                      <p:cBhvr>
+                                        <p:cTn id="8" dur="1" fill="hold">
+                                          <p:stCondLst>
+                                            <p:cond delay="0"/>
+                                          </p:stCondLst>
+                                        </p:cTn>
+                                        <p:tgtEl>
+                                          <p:spTgt spid="11"/>
+                                        </p:tgtEl>
+                                        <p:attrNameLst>
+                                          <p:attrName>style.visibility</p:attrName>
+                                        </p:attrNameLst>
+                                      </p:cBhvr>
+                                      <p:to>
+                                        <p:strVal val="visible"/>
+                                      </p:to>
+                                    </p:set>
+                                  </p:childTnLst>
+                                </p:cTn>
+                              </p:par>
+                            </p:childTnLst>
+                          </p:cTn>
+                        </p:par>
+                      </p:childTnLst>
+                    </p:cTn>
+                  </p:par>
+                </p:childTnLst>
+              </p:cTn>
+              <p:prevCondLst>
+                <p:cond evt="onPrev" delay="0">
+                  <p:tgtEl>
+                    <p:sldTgt/>
+                  </p:tgtEl>
+                </p:cond>
+              </p:prevCondLst>
+              <p:nextCondLst>
+                <p:cond evt="onNext" delay="0">
+                  <p:tgtEl>
+                    <p:sldTgt/>
+                  </p:tgtEl>
+                </p:cond>
+              </p:nextCondLst>
+            </p:seq>
+          </p:childTnLst>
+        </p:cTn>
+      </p:par>
+    </p:tnLst>
+  </p:timing>
+</p:sld>
+</file>
+
+<file path=ppt/slides/slide34.xml><?xml version="1.0" encoding="utf-8"?>
+<p:sld xmlns:a="http://schemas.openxmlformats.org/drawingml/2006/main" xmlns:r="http://schemas.openxmlformats.org/officeDocument/2006/relationships" xmlns:p="http://schemas.openxmlformats.org/presentationml/2006/main">
+  <p:cSld>
+    <p:spTree>
+      <p:nvGrpSpPr>
+        <p:cNvPr id="1" name=""/>
+        <p:cNvGrpSpPr/>
+        <p:nvPr/>
+      </p:nvGrpSpPr>
+      <p:grpSpPr>
+        <a:xfrm>
+          <a:off x="0" y="0"/>
+          <a:ext cx="0" cy="0"/>
+          <a:chOff x="0" y="0"/>
+          <a:chExt cx="0" cy="0"/>
+        </a:xfrm>
+      </p:grpSpPr>
+      <p:sp>
+        <p:nvSpPr>
+          <p:cNvPr id="2" name="Title 1"/>
+          <p:cNvSpPr>
+            <a:spLocks noGrp="1"/>
+          </p:cNvSpPr>
+          <p:nvPr>
+            <p:ph type="title"/>
+          </p:nvPr>
+        </p:nvSpPr>
+        <p:spPr/>
+        <p:txBody>
+          <a:bodyPr/>
+          <a:lstStyle/>
+          <a:p>
+            <a:r>
+              <a:rPr lang="en-US" dirty="0" smtClean="0"/>
+              <a:t>Recap and More </a:t>
+            </a:r>
+            <a:r>
+              <a:rPr lang="en-US" dirty="0" smtClean="0"/>
+              <a:t>learning</a:t>
+            </a:r>
+            <a:endParaRPr lang="en-US" dirty="0"/>
+          </a:p>
+        </p:txBody>
+      </p:sp>
+      <p:sp>
+        <p:nvSpPr>
+          <p:cNvPr id="3" name="Content Placeholder 2"/>
+          <p:cNvSpPr>
+            <a:spLocks noGrp="1"/>
+          </p:cNvSpPr>
+          <p:nvPr>
+            <p:ph idx="1"/>
+          </p:nvPr>
+        </p:nvSpPr>
+        <p:spPr/>
+        <p:txBody>
+          <a:bodyPr>
+            <a:normAutofit fontScale="92500" lnSpcReduction="10000"/>
+          </a:bodyPr>
+          <a:lstStyle/>
+          <a:p>
+            <a:r>
+              <a:rPr lang="en-US" dirty="0"/>
+              <a:t>You should have learned how to navigate the command line and execute simple commands. This is half the battle! Good job!</a:t>
+            </a:r>
+            <a:br>
+              <a:rPr lang="en-US" dirty="0"/>
+            </a:br>
+            <a:endParaRPr lang="en-US" dirty="0"/>
+          </a:p>
+          <a:p>
+            <a:r>
+              <a:rPr lang="en-US" dirty="0"/>
+              <a:t>Now you know how directories are organized and how files can be found on the system</a:t>
+            </a:r>
+            <a:r>
+              <a:rPr lang="en-US" dirty="0" smtClean="0"/>
+              <a:t>.</a:t>
+            </a:r>
+          </a:p>
+          <a:p>
+            <a:endParaRPr lang="en-US" dirty="0"/>
+          </a:p>
+          <a:p>
+            <a:r>
+              <a:rPr lang="en-US" dirty="0" smtClean="0"/>
+              <a:t>More self-learning materials:</a:t>
+            </a:r>
+            <a:endParaRPr lang="en-US" dirty="0"/>
+          </a:p>
+          <a:p>
+            <a:r>
+              <a:rPr lang="en-US" dirty="0" smtClean="0">
+                <a:hlinkClick r:id="rId2"/>
+              </a:rPr>
+              <a:t>http</a:t>
+            </a:r>
+            <a:r>
+              <a:rPr lang="en-US" dirty="0">
+                <a:hlinkClick r:id="rId2"/>
+              </a:rPr>
+              <a:t>://linuxcommand.org</a:t>
+            </a:r>
+            <a:r>
+              <a:rPr lang="en-US" dirty="0" smtClean="0">
+                <a:hlinkClick r:id="rId2"/>
+              </a:rPr>
+              <a:t>/</a:t>
+            </a:r>
+            <a:endParaRPr lang="en-US" dirty="0" smtClean="0"/>
+          </a:p>
+          <a:p>
+            <a:pPr lvl="1"/>
+            <a:r>
+              <a:rPr lang="en-US" dirty="0" smtClean="0"/>
+              <a:t>Learning the shell link</a:t>
+            </a:r>
+            <a:br>
+              <a:rPr lang="en-US" dirty="0" smtClean="0"/>
+            </a:br>
+            <a:endParaRPr lang="en-US" dirty="0" smtClean="0"/>
+          </a:p>
+          <a:p>
+            <a:r>
+              <a:rPr lang="en-US" dirty="0">
+                <a:hlinkClick r:id="rId3"/>
+              </a:rPr>
+              <a:t>https://mason.gmu.edu/~</a:t>
+            </a:r>
+            <a:r>
+              <a:rPr lang="en-US" dirty="0" smtClean="0">
+                <a:hlinkClick r:id="rId3"/>
+              </a:rPr>
+              <a:t>montecin/UNIXpermiss.htm</a:t>
+            </a:r>
+            <a:endParaRPr lang="en-US" dirty="0" smtClean="0"/>
+          </a:p>
+          <a:p>
+            <a:endParaRPr lang="en-US" dirty="0"/>
+          </a:p>
+        </p:txBody>
+      </p:sp>
+    </p:spTree>
+    <p:extLst>
+      <p:ext uri="{BB962C8B-B14F-4D97-AF65-F5344CB8AC3E}">
+        <p14:creationId xmlns:p14="http://schemas.microsoft.com/office/powerpoint/2010/main" val="1149773270"/>
+      </p:ext>
+    </p:extLst>
+  </p:cSld>
+  <p:clrMapOvr>
+    <a:masterClrMapping/>
+  </p:clrMapOvr>
+  <p:timing>
+    <p:tnLst>
+      <p:par>
+        <p:cTn id="1" dur="indefinite" restart="never" nodeType="tmRoot"/>
       </p:par>
     </p:tnLst>
   </p:timing>
@@ -12854,11 +14320,6 @@
                 </a:rPr>
                 <a:t>The script name</a:t>
               </a:r>
-              <a:endParaRPr lang="en-US" dirty="0">
-                <a:solidFill>
-                  <a:srgbClr val="FF0000"/>
-                </a:solidFill>
-              </a:endParaRPr>
             </a:p>
           </p:txBody>
         </p:sp>
@@ -12892,11 +14353,6 @@
                 </a:rPr>
                 <a:t>The folder containing the files</a:t>
               </a:r>
-              <a:endParaRPr lang="en-US" dirty="0">
-                <a:solidFill>
-                  <a:srgbClr val="00B0F0"/>
-                </a:solidFill>
-              </a:endParaRPr>
             </a:p>
           </p:txBody>
         </p:sp>
@@ -14508,11 +15964,6 @@
                 </a:rPr>
                 <a:t>but Unix is totally fine here!</a:t>
               </a:r>
-              <a:endParaRPr lang="en-US" sz="2400" dirty="0">
-                <a:solidFill>
-                  <a:srgbClr val="FF0000"/>
-                </a:solidFill>
-              </a:endParaRPr>
             </a:p>
           </p:txBody>
         </p:sp>
@@ -14957,11 +16408,6 @@
                 </a:rPr>
                 <a:t>The “Path” to the files</a:t>
               </a:r>
-              <a:endParaRPr lang="en-US" sz="2400" dirty="0">
-                <a:solidFill>
-                  <a:srgbClr val="FF0000"/>
-                </a:solidFill>
-              </a:endParaRPr>
             </a:p>
           </p:txBody>
         </p:sp>
@@ -15071,11 +16517,6 @@
                 </a:rPr>
                 <a:t>Files</a:t>
               </a:r>
-              <a:endParaRPr lang="en-US" sz="2000" dirty="0">
-                <a:solidFill>
-                  <a:srgbClr val="FF0000"/>
-                </a:solidFill>
-              </a:endParaRPr>
             </a:p>
           </p:txBody>
         </p:sp>
